--- a/readmeImage/素材.pptx
+++ b/readmeImage/素材.pptx
@@ -104,6 +104,11 @@
       </a:defRPr>
     </a:lvl9pPr>
   </p:defaultTextStyle>
+  <p:extLst>
+    <p:ext uri="{EFAFB233-063F-42B5-8137-9DF3F51BA10A}">
+      <p15:sldGuideLst xmlns:p15="http://schemas.microsoft.com/office/powerpoint/2012/main"/>
+    </p:ext>
+  </p:extLst>
 </p:presentation>
 </file>
 
@@ -254,7 +259,7 @@
           <a:p>
             <a:fld id="{6D45DB4D-E349-9B4C-9A89-4C090BD18885}" type="datetimeFigureOut">
               <a:rPr kumimoji="1" lang="ja-JP" altLang="en-US" smtClean="0"/>
-              <a:t>2022/6/21</a:t>
+              <a:t>2022/7/6</a:t>
             </a:fld>
             <a:endParaRPr kumimoji="1" lang="ja-JP" altLang="en-US"/>
           </a:p>
@@ -484,7 +489,7 @@
           <a:p>
             <a:fld id="{6D45DB4D-E349-9B4C-9A89-4C090BD18885}" type="datetimeFigureOut">
               <a:rPr kumimoji="1" lang="ja-JP" altLang="en-US" smtClean="0"/>
-              <a:t>2022/6/21</a:t>
+              <a:t>2022/7/6</a:t>
             </a:fld>
             <a:endParaRPr kumimoji="1" lang="ja-JP" altLang="en-US"/>
           </a:p>
@@ -724,7 +729,7 @@
           <a:p>
             <a:fld id="{6D45DB4D-E349-9B4C-9A89-4C090BD18885}" type="datetimeFigureOut">
               <a:rPr kumimoji="1" lang="ja-JP" altLang="en-US" smtClean="0"/>
-              <a:t>2022/6/21</a:t>
+              <a:t>2022/7/6</a:t>
             </a:fld>
             <a:endParaRPr kumimoji="1" lang="ja-JP" altLang="en-US"/>
           </a:p>
@@ -954,7 +959,7 @@
           <a:p>
             <a:fld id="{6D45DB4D-E349-9B4C-9A89-4C090BD18885}" type="datetimeFigureOut">
               <a:rPr kumimoji="1" lang="ja-JP" altLang="en-US" smtClean="0"/>
-              <a:t>2022/6/21</a:t>
+              <a:t>2022/7/6</a:t>
             </a:fld>
             <a:endParaRPr kumimoji="1" lang="ja-JP" altLang="en-US"/>
           </a:p>
@@ -1229,7 +1234,7 @@
           <a:p>
             <a:fld id="{6D45DB4D-E349-9B4C-9A89-4C090BD18885}" type="datetimeFigureOut">
               <a:rPr kumimoji="1" lang="ja-JP" altLang="en-US" smtClean="0"/>
-              <a:t>2022/6/21</a:t>
+              <a:t>2022/7/6</a:t>
             </a:fld>
             <a:endParaRPr kumimoji="1" lang="ja-JP" altLang="en-US"/>
           </a:p>
@@ -1558,7 +1563,7 @@
           <a:p>
             <a:fld id="{6D45DB4D-E349-9B4C-9A89-4C090BD18885}" type="datetimeFigureOut">
               <a:rPr kumimoji="1" lang="ja-JP" altLang="en-US" smtClean="0"/>
-              <a:t>2022/6/21</a:t>
+              <a:t>2022/7/6</a:t>
             </a:fld>
             <a:endParaRPr kumimoji="1" lang="ja-JP" altLang="en-US"/>
           </a:p>
@@ -2034,7 +2039,7 @@
           <a:p>
             <a:fld id="{6D45DB4D-E349-9B4C-9A89-4C090BD18885}" type="datetimeFigureOut">
               <a:rPr kumimoji="1" lang="ja-JP" altLang="en-US" smtClean="0"/>
-              <a:t>2022/6/21</a:t>
+              <a:t>2022/7/6</a:t>
             </a:fld>
             <a:endParaRPr kumimoji="1" lang="ja-JP" altLang="en-US"/>
           </a:p>
@@ -2175,7 +2180,7 @@
           <a:p>
             <a:fld id="{6D45DB4D-E349-9B4C-9A89-4C090BD18885}" type="datetimeFigureOut">
               <a:rPr kumimoji="1" lang="ja-JP" altLang="en-US" smtClean="0"/>
-              <a:t>2022/6/21</a:t>
+              <a:t>2022/7/6</a:t>
             </a:fld>
             <a:endParaRPr kumimoji="1" lang="ja-JP" altLang="en-US"/>
           </a:p>
@@ -2288,7 +2293,7 @@
           <a:p>
             <a:fld id="{6D45DB4D-E349-9B4C-9A89-4C090BD18885}" type="datetimeFigureOut">
               <a:rPr kumimoji="1" lang="ja-JP" altLang="en-US" smtClean="0"/>
-              <a:t>2022/6/21</a:t>
+              <a:t>2022/7/6</a:t>
             </a:fld>
             <a:endParaRPr kumimoji="1" lang="ja-JP" altLang="en-US"/>
           </a:p>
@@ -2631,7 +2636,7 @@
           <a:p>
             <a:fld id="{6D45DB4D-E349-9B4C-9A89-4C090BD18885}" type="datetimeFigureOut">
               <a:rPr kumimoji="1" lang="ja-JP" altLang="en-US" smtClean="0"/>
-              <a:t>2022/6/21</a:t>
+              <a:t>2022/7/6</a:t>
             </a:fld>
             <a:endParaRPr kumimoji="1" lang="ja-JP" altLang="en-US"/>
           </a:p>
@@ -2919,7 +2924,7 @@
           <a:p>
             <a:fld id="{6D45DB4D-E349-9B4C-9A89-4C090BD18885}" type="datetimeFigureOut">
               <a:rPr kumimoji="1" lang="ja-JP" altLang="en-US" smtClean="0"/>
-              <a:t>2022/6/21</a:t>
+              <a:t>2022/7/6</a:t>
             </a:fld>
             <a:endParaRPr kumimoji="1" lang="ja-JP" altLang="en-US"/>
           </a:p>
@@ -3192,7 +3197,7 @@
           <a:p>
             <a:fld id="{6D45DB4D-E349-9B4C-9A89-4C090BD18885}" type="datetimeFigureOut">
               <a:rPr kumimoji="1" lang="ja-JP" altLang="en-US" smtClean="0"/>
-              <a:t>2022/6/21</a:t>
+              <a:t>2022/7/6</a:t>
             </a:fld>
             <a:endParaRPr kumimoji="1" lang="ja-JP" altLang="en-US"/>
           </a:p>
@@ -3611,10 +3616,10 @@
       </p:grpSpPr>
       <p:pic>
         <p:nvPicPr>
-          <p:cNvPr id="15" name="図 14" descr="グラフィカル ユーザー インターフェイス&#10;&#10;自動的に生成された説明">
-            <a:extLst>
-              <a:ext uri="{FF2B5EF4-FFF2-40B4-BE49-F238E27FC236}">
-                <a16:creationId xmlns:a16="http://schemas.microsoft.com/office/drawing/2014/main" id="{B667211E-2BF4-DCB9-4253-B356509588B7}"/>
+          <p:cNvPr id="5" name="図 4" descr="グラフィカル ユーザー インターフェイス&#10;&#10;自動的に生成された説明">
+            <a:extLst>
+              <a:ext uri="{FF2B5EF4-FFF2-40B4-BE49-F238E27FC236}">
+                <a16:creationId xmlns:a16="http://schemas.microsoft.com/office/drawing/2014/main" id="{BEE44963-5D00-3F1B-0EF5-CBDC077E5DEC}"/>
               </a:ext>
             </a:extLst>
           </p:cNvPr>
@@ -3631,8 +3636,8 @@
         </p:blipFill>
         <p:spPr>
           <a:xfrm>
-            <a:off x="1795000" y="755763"/>
-            <a:ext cx="7741950" cy="5795037"/>
+            <a:off x="758354" y="0"/>
+            <a:ext cx="10675292" cy="6858000"/>
           </a:xfrm>
           <a:prstGeom prst="rect">
             <a:avLst/>
@@ -3653,7 +3658,7 @@
         </p:nvSpPr>
         <p:spPr>
           <a:xfrm>
-            <a:off x="8111391" y="1504079"/>
+            <a:off x="7918295" y="-1536532"/>
             <a:ext cx="5662710" cy="1465446"/>
           </a:xfrm>
           <a:prstGeom prst="rect">
@@ -3662,9 +3667,9 @@
           <a:solidFill>
             <a:schemeClr val="bg1"/>
           </a:solidFill>
-          <a:ln w="28575">
+          <a:ln w="57150">
             <a:solidFill>
-              <a:schemeClr val="tx1"/>
+              <a:schemeClr val="accent1"/>
             </a:solidFill>
           </a:ln>
         </p:spPr>
@@ -3707,7 +3712,7 @@
         </p:nvSpPr>
         <p:spPr>
           <a:xfrm>
-            <a:off x="8528712" y="1675822"/>
+            <a:off x="8335616" y="-1364789"/>
             <a:ext cx="4544834" cy="400110"/>
           </a:xfrm>
           <a:prstGeom prst="rect">
@@ -3743,7 +3748,7 @@
         </p:nvSpPr>
         <p:spPr>
           <a:xfrm>
-            <a:off x="8176051" y="2046194"/>
+            <a:off x="7982955" y="-994417"/>
             <a:ext cx="5711820" cy="923330"/>
           </a:xfrm>
           <a:prstGeom prst="rect">
@@ -3801,8 +3806,8 @@
         </p:nvSpPr>
         <p:spPr>
           <a:xfrm>
-            <a:off x="9135464" y="5163468"/>
-            <a:ext cx="4942931" cy="2647862"/>
+            <a:off x="9135463" y="5163468"/>
+            <a:ext cx="7302472" cy="3172458"/>
           </a:xfrm>
           <a:prstGeom prst="rect">
             <a:avLst/>
@@ -3810,9 +3815,9 @@
           <a:solidFill>
             <a:schemeClr val="bg1"/>
           </a:solidFill>
-          <a:ln w="28575">
+          <a:ln w="57150">
             <a:solidFill>
-              <a:schemeClr val="tx1"/>
+              <a:schemeClr val="accent1"/>
             </a:solidFill>
           </a:ln>
         </p:spPr>
@@ -3855,7 +3860,7 @@
         </p:nvSpPr>
         <p:spPr>
           <a:xfrm>
-            <a:off x="9968742" y="5266751"/>
+            <a:off x="11186319" y="5253264"/>
             <a:ext cx="2749471" cy="400110"/>
           </a:xfrm>
           <a:prstGeom prst="rect">
@@ -3892,7 +3897,7 @@
         <p:spPr>
           <a:xfrm>
             <a:off x="9277081" y="5613252"/>
-            <a:ext cx="4852610" cy="2031325"/>
+            <a:ext cx="7340471" cy="2585323"/>
           </a:xfrm>
           <a:prstGeom prst="rect">
             <a:avLst/>
@@ -3907,29 +3912,40 @@
           <a:p>
             <a:r>
               <a:rPr lang="ja-JP" altLang="en-US"/>
-              <a:t>セルをクリックすると左のモデル画面に</a:t>
+              <a:t>・セルをクリックすると左のモデル画面にブロックが追加されます。</a:t>
             </a:r>
             <a:endParaRPr lang="en-US" altLang="ja-JP" dirty="0"/>
           </a:p>
           <a:p>
             <a:r>
               <a:rPr lang="ja-JP" altLang="en-US"/>
-              <a:t>ブロックが追加されます。</a:t>
+              <a:t>・セルをクリックするたびにブロックの種類が変化します。</a:t>
             </a:r>
             <a:endParaRPr lang="en-US" altLang="ja-JP" dirty="0"/>
           </a:p>
           <a:p>
             <a:r>
               <a:rPr lang="ja-JP" altLang="en-US"/>
-              <a:t>セルをクリックするたびにブロックの種類が</a:t>
+              <a:t>・セルを複数選択して</a:t>
+            </a:r>
+            <a:r>
+              <a:rPr lang="en-US" altLang="ja-JP" dirty="0"/>
+              <a:t>Ctrl(Command)+0~3</a:t>
+            </a:r>
+            <a:r>
+              <a:rPr lang="ja-JP" altLang="en-US"/>
+              <a:t>を入力すると選択されて</a:t>
             </a:r>
             <a:endParaRPr lang="en-US" altLang="ja-JP" dirty="0"/>
           </a:p>
           <a:p>
             <a:r>
               <a:rPr lang="ja-JP" altLang="en-US"/>
-              <a:t>変わります。</a:t>
-            </a:r>
+              <a:t>　いるすべてのセルに対して操作を適用することができます。</a:t>
+            </a:r>
+            <a:br>
+              <a:rPr lang="en-US" altLang="ja-JP" dirty="0"/>
+            </a:br>
             <a:endParaRPr lang="en-US" altLang="ja-JP" dirty="0"/>
           </a:p>
           <a:p>
@@ -3972,7 +3988,7 @@
                   </a:schemeClr>
                 </a:solidFill>
               </a:rPr>
-              <a:t>):</a:t>
+              <a:t>): </a:t>
             </a:r>
             <a:r>
               <a:rPr lang="ja-JP" altLang="en-US" b="1">
@@ -4021,7 +4037,7 @@
                   </a:schemeClr>
                 </a:solidFill>
               </a:rPr>
-              <a:t>):</a:t>
+              <a:t>): </a:t>
             </a:r>
             <a:r>
               <a:rPr lang="ja-JP" altLang="en-US" b="1">
@@ -4031,27 +4047,7 @@
                   </a:schemeClr>
                 </a:solidFill>
               </a:rPr>
-              <a:t>十字型の穴（</a:t>
-            </a:r>
-            <a:r>
-              <a:rPr lang="en-US" altLang="ja-JP" b="1" dirty="0">
-                <a:solidFill>
-                  <a:schemeClr val="accent2">
-                    <a:lumMod val="75000"/>
-                  </a:schemeClr>
-                </a:solidFill>
-              </a:rPr>
-              <a:t>4.8 mm</a:t>
-            </a:r>
-            <a:r>
-              <a:rPr lang="ja-JP" altLang="en-US" b="1">
-                <a:solidFill>
-                  <a:schemeClr val="accent2">
-                    <a:lumMod val="75000"/>
-                  </a:schemeClr>
-                </a:solidFill>
-              </a:rPr>
-              <a:t>のみ形状を反映）</a:t>
+              <a:t>十字型の穴</a:t>
             </a:r>
             <a:endParaRPr lang="en-US" altLang="ja-JP" b="1" dirty="0">
               <a:solidFill>
@@ -4061,6 +4057,57 @@
               </a:solidFill>
             </a:endParaRPr>
           </a:p>
+          <a:p>
+            <a:r>
+              <a:rPr lang="en-US" altLang="ja-JP" b="1" dirty="0">
+                <a:solidFill>
+                  <a:srgbClr val="7030A0"/>
+                </a:solidFill>
+              </a:rPr>
+              <a:t>3</a:t>
+            </a:r>
+            <a:r>
+              <a:rPr lang="en-US" altLang="ja-JP" b="1" dirty="0">
+                <a:solidFill>
+                  <a:srgbClr val="7030A0"/>
+                </a:solidFill>
+                <a:sym typeface="Wingdings" pitchFamily="2" charset="2"/>
+              </a:rPr>
+              <a:t>(</a:t>
+            </a:r>
+            <a:r>
+              <a:rPr lang="ja-JP" altLang="en-US" b="1">
+                <a:solidFill>
+                  <a:srgbClr val="7030A0"/>
+                </a:solidFill>
+                <a:sym typeface="Wingdings" pitchFamily="2" charset="2"/>
+              </a:rPr>
+              <a:t>紫</a:t>
+            </a:r>
+            <a:r>
+              <a:rPr lang="en-US" altLang="ja-JP" b="1" dirty="0">
+                <a:solidFill>
+                  <a:srgbClr val="7030A0"/>
+                </a:solidFill>
+                <a:sym typeface="Wingdings" pitchFamily="2" charset="2"/>
+              </a:rPr>
+              <a:t>): </a:t>
+            </a:r>
+            <a:r>
+              <a:rPr lang="ja-JP" altLang="en-US" b="1">
+                <a:solidFill>
+                  <a:srgbClr val="7030A0"/>
+                </a:solidFill>
+                <a:sym typeface="Wingdings" pitchFamily="2" charset="2"/>
+              </a:rPr>
+              <a:t>穴なし</a:t>
+            </a:r>
+            <a:endParaRPr lang="en-US" altLang="ja-JP" b="1" dirty="0">
+              <a:solidFill>
+                <a:srgbClr val="7030A0"/>
+              </a:solidFill>
+            </a:endParaRPr>
+          </a:p>
         </p:txBody>
       </p:sp>
       <p:sp>
@@ -4077,7 +4124,7 @@
         </p:nvSpPr>
         <p:spPr>
           <a:xfrm>
-            <a:off x="600103" y="6315885"/>
+            <a:off x="379398" y="6776716"/>
             <a:ext cx="5662710" cy="1188446"/>
           </a:xfrm>
           <a:prstGeom prst="rect">
@@ -4086,9 +4133,9 @@
           <a:solidFill>
             <a:schemeClr val="bg1"/>
           </a:solidFill>
-          <a:ln w="28575">
+          <a:ln w="57150">
             <a:solidFill>
-              <a:schemeClr val="tx1"/>
+              <a:schemeClr val="accent1"/>
             </a:solidFill>
           </a:ln>
         </p:spPr>
@@ -4131,7 +4178,7 @@
         </p:nvSpPr>
         <p:spPr>
           <a:xfrm>
-            <a:off x="2655050" y="6386888"/>
+            <a:off x="2434345" y="6847719"/>
             <a:ext cx="1963999" cy="400110"/>
           </a:xfrm>
           <a:prstGeom prst="rect">
@@ -4171,7 +4218,7 @@
         </p:nvSpPr>
         <p:spPr>
           <a:xfrm>
-            <a:off x="701383" y="6750422"/>
+            <a:off x="480678" y="7211253"/>
             <a:ext cx="5460149" cy="646331"/>
           </a:xfrm>
           <a:prstGeom prst="rect">
@@ -4222,7 +4269,7 @@
         </p:nvSpPr>
         <p:spPr>
           <a:xfrm>
-            <a:off x="-1518709" y="-763381"/>
+            <a:off x="-4341509" y="795160"/>
             <a:ext cx="4795354" cy="1263452"/>
           </a:xfrm>
           <a:prstGeom prst="rect">
@@ -4231,9 +4278,9 @@
           <a:solidFill>
             <a:schemeClr val="bg1"/>
           </a:solidFill>
-          <a:ln w="28575">
+          <a:ln w="57150">
             <a:solidFill>
-              <a:schemeClr val="tx1"/>
+              <a:schemeClr val="accent1"/>
             </a:solidFill>
           </a:ln>
         </p:spPr>
@@ -4276,7 +4323,7 @@
         </p:nvSpPr>
         <p:spPr>
           <a:xfrm>
-            <a:off x="-1088086" y="-634740"/>
+            <a:off x="-3910886" y="923801"/>
             <a:ext cx="4031873" cy="400110"/>
           </a:xfrm>
           <a:prstGeom prst="rect">
@@ -4312,7 +4359,7 @@
         </p:nvSpPr>
         <p:spPr>
           <a:xfrm>
-            <a:off x="-1430557" y="-234630"/>
+            <a:off x="-4253357" y="1323911"/>
             <a:ext cx="4619049" cy="646331"/>
           </a:xfrm>
           <a:prstGeom prst="rect">
@@ -4371,7 +4418,7 @@
         </p:nvSpPr>
         <p:spPr>
           <a:xfrm>
-            <a:off x="3364798" y="-945149"/>
+            <a:off x="-4125372" y="-2082856"/>
             <a:ext cx="4795354" cy="2011769"/>
           </a:xfrm>
           <a:prstGeom prst="rect">
@@ -4380,9 +4427,9 @@
           <a:solidFill>
             <a:schemeClr val="bg1"/>
           </a:solidFill>
-          <a:ln w="28575">
+          <a:ln w="57150">
             <a:solidFill>
-              <a:schemeClr val="tx1"/>
+              <a:schemeClr val="accent1"/>
             </a:solidFill>
           </a:ln>
         </p:spPr>
@@ -4425,7 +4472,7 @@
         </p:nvSpPr>
         <p:spPr>
           <a:xfrm>
-            <a:off x="4003018" y="-923551"/>
+            <a:off x="-3487152" y="-2061258"/>
             <a:ext cx="3518912" cy="400110"/>
           </a:xfrm>
           <a:prstGeom prst="rect">
@@ -4461,7 +4508,7 @@
         </p:nvSpPr>
         <p:spPr>
           <a:xfrm>
-            <a:off x="3452950" y="-504767"/>
+            <a:off x="-4037220" y="-1642474"/>
             <a:ext cx="4619049" cy="1477328"/>
           </a:xfrm>
           <a:prstGeom prst="rect">
@@ -4541,7 +4588,7 @@
         </p:nvSpPr>
         <p:spPr>
           <a:xfrm>
-            <a:off x="-3209014" y="1794442"/>
+            <a:off x="-2868645" y="3053176"/>
             <a:ext cx="4795354" cy="2560076"/>
           </a:xfrm>
           <a:prstGeom prst="rect">
@@ -4550,9 +4597,9 @@
           <a:solidFill>
             <a:schemeClr val="bg1"/>
           </a:solidFill>
-          <a:ln w="28575">
+          <a:ln w="57150">
             <a:solidFill>
-              <a:schemeClr val="tx1"/>
+              <a:schemeClr val="accent1"/>
             </a:solidFill>
           </a:ln>
         </p:spPr>
@@ -4595,7 +4642,7 @@
         </p:nvSpPr>
         <p:spPr>
           <a:xfrm>
-            <a:off x="-1821620" y="1885822"/>
+            <a:off x="-1481251" y="3144556"/>
             <a:ext cx="1467068" cy="400110"/>
           </a:xfrm>
           <a:prstGeom prst="rect">
@@ -4631,7 +4678,7 @@
         </p:nvSpPr>
         <p:spPr>
           <a:xfrm>
-            <a:off x="-3120862" y="2323193"/>
+            <a:off x="-2780493" y="3581927"/>
             <a:ext cx="4619049" cy="2031325"/>
           </a:xfrm>
           <a:prstGeom prst="rect">
@@ -4696,21 +4743,20 @@
           </p:cNvPr>
           <p:cNvCxnSpPr>
             <a:cxnSpLocks/>
-            <a:stCxn id="19" idx="2"/>
           </p:cNvCxnSpPr>
           <p:nvPr/>
         </p:nvCxnSpPr>
         <p:spPr>
-          <a:xfrm>
-            <a:off x="878968" y="500071"/>
-            <a:ext cx="1059560" cy="725225"/>
+          <a:xfrm flipV="1">
+            <a:off x="312499" y="549247"/>
+            <a:ext cx="571969" cy="235425"/>
           </a:xfrm>
           <a:prstGeom prst="straightConnector1">
             <a:avLst/>
           </a:prstGeom>
           <a:ln w="76200">
             <a:solidFill>
-              <a:schemeClr val="tx1"/>
+              <a:schemeClr val="accent1"/>
             </a:solidFill>
             <a:tailEnd type="triangle"/>
           </a:ln>
@@ -4745,16 +4791,16 @@
           <p:nvPr/>
         </p:nvCxnSpPr>
         <p:spPr>
-          <a:xfrm flipH="1">
-            <a:off x="2854560" y="803819"/>
-            <a:ext cx="510238" cy="368364"/>
+          <a:xfrm>
+            <a:off x="669982" y="-199404"/>
+            <a:ext cx="1028928" cy="636989"/>
           </a:xfrm>
           <a:prstGeom prst="straightConnector1">
             <a:avLst/>
           </a:prstGeom>
           <a:ln w="76200">
             <a:solidFill>
-              <a:schemeClr val="tx1"/>
+              <a:schemeClr val="accent1"/>
             </a:solidFill>
             <a:tailEnd type="triangle"/>
           </a:ln>
@@ -4791,7 +4837,7 @@
         </p:nvCxnSpPr>
         <p:spPr>
           <a:xfrm>
-            <a:off x="1586340" y="3074480"/>
+            <a:off x="1926709" y="4333214"/>
             <a:ext cx="480204" cy="254160"/>
           </a:xfrm>
           <a:prstGeom prst="straightConnector1">
@@ -4878,16 +4924,16 @@
           <p:nvPr/>
         </p:nvCxnSpPr>
         <p:spPr>
-          <a:xfrm flipH="1" flipV="1">
-            <a:off x="7330958" y="2085877"/>
-            <a:ext cx="806109" cy="237316"/>
+          <a:xfrm flipH="1">
+            <a:off x="7296960" y="-46752"/>
+            <a:ext cx="2488127" cy="1216333"/>
           </a:xfrm>
           <a:prstGeom prst="straightConnector1">
             <a:avLst/>
           </a:prstGeom>
           <a:ln w="76200">
             <a:solidFill>
-              <a:schemeClr val="tx1"/>
+              <a:schemeClr val="accent1"/>
             </a:solidFill>
             <a:tailEnd type="triangle"/>
           </a:ln>
@@ -4931,7 +4977,747 @@
           </a:prstGeom>
           <a:ln w="76200">
             <a:solidFill>
-              <a:schemeClr val="tx1"/>
+              <a:schemeClr val="accent1"/>
+            </a:solidFill>
+            <a:tailEnd type="triangle"/>
+          </a:ln>
+        </p:spPr>
+        <p:style>
+          <a:lnRef idx="1">
+            <a:schemeClr val="accent1"/>
+          </a:lnRef>
+          <a:fillRef idx="0">
+            <a:schemeClr val="accent1"/>
+          </a:fillRef>
+          <a:effectRef idx="0">
+            <a:schemeClr val="accent1"/>
+          </a:effectRef>
+          <a:fontRef idx="minor">
+            <a:schemeClr val="tx1"/>
+          </a:fontRef>
+        </p:style>
+      </p:cxnSp>
+      <p:sp>
+        <p:nvSpPr>
+          <p:cNvPr id="34" name="正方形/長方形 33">
+            <a:extLst>
+              <a:ext uri="{FF2B5EF4-FFF2-40B4-BE49-F238E27FC236}">
+                <a16:creationId xmlns:a16="http://schemas.microsoft.com/office/drawing/2014/main" id="{5E7CF4C7-02B0-83BF-B2BD-9312A9DBEC90}"/>
+              </a:ext>
+            </a:extLst>
+          </p:cNvPr>
+          <p:cNvSpPr/>
+          <p:nvPr/>
+        </p:nvSpPr>
+        <p:spPr>
+          <a:xfrm>
+            <a:off x="11812602" y="1379569"/>
+            <a:ext cx="5662710" cy="1786956"/>
+          </a:xfrm>
+          <a:prstGeom prst="rect">
+            <a:avLst/>
+          </a:prstGeom>
+          <a:solidFill>
+            <a:schemeClr val="bg1"/>
+          </a:solidFill>
+          <a:ln w="57150">
+            <a:solidFill>
+              <a:schemeClr val="accent1"/>
+            </a:solidFill>
+          </a:ln>
+        </p:spPr>
+        <p:style>
+          <a:lnRef idx="2">
+            <a:schemeClr val="accent1">
+              <a:shade val="50000"/>
+            </a:schemeClr>
+          </a:lnRef>
+          <a:fillRef idx="1">
+            <a:schemeClr val="accent1"/>
+          </a:fillRef>
+          <a:effectRef idx="0">
+            <a:schemeClr val="accent1"/>
+          </a:effectRef>
+          <a:fontRef idx="minor">
+            <a:schemeClr val="lt1"/>
+          </a:fontRef>
+        </p:style>
+        <p:txBody>
+          <a:bodyPr rtlCol="0" anchor="ctr"/>
+          <a:lstStyle/>
+          <a:p>
+            <a:pPr algn="ctr"/>
+            <a:endParaRPr kumimoji="1" lang="ja-JP" altLang="en-US"/>
+          </a:p>
+        </p:txBody>
+      </p:sp>
+      <p:sp>
+        <p:nvSpPr>
+          <p:cNvPr id="35" name="テキスト ボックス 34">
+            <a:extLst>
+              <a:ext uri="{FF2B5EF4-FFF2-40B4-BE49-F238E27FC236}">
+                <a16:creationId xmlns:a16="http://schemas.microsoft.com/office/drawing/2014/main" id="{E4DEB93F-10FB-479B-2967-6846A616E58F}"/>
+              </a:ext>
+            </a:extLst>
+          </p:cNvPr>
+          <p:cNvSpPr txBox="1"/>
+          <p:nvPr/>
+        </p:nvSpPr>
+        <p:spPr>
+          <a:xfrm>
+            <a:off x="11986819" y="1534096"/>
+            <a:ext cx="5314275" cy="400110"/>
+          </a:xfrm>
+          <a:prstGeom prst="rect">
+            <a:avLst/>
+          </a:prstGeom>
+          <a:noFill/>
+        </p:spPr>
+        <p:txBody>
+          <a:bodyPr wrap="none" rtlCol="0">
+            <a:spAutoFit/>
+          </a:bodyPr>
+          <a:lstStyle/>
+          <a:p>
+            <a:r>
+              <a:rPr lang="ja-JP" altLang="en-US" sz="2000" b="1"/>
+              <a:t>プレート作成テーブルのスケール設定リスト</a:t>
+            </a:r>
+            <a:endParaRPr lang="en-US" altLang="ja-JP" sz="2000" b="1" dirty="0"/>
+          </a:p>
+        </p:txBody>
+      </p:sp>
+      <p:sp>
+        <p:nvSpPr>
+          <p:cNvPr id="37" name="テキスト ボックス 36">
+            <a:extLst>
+              <a:ext uri="{FF2B5EF4-FFF2-40B4-BE49-F238E27FC236}">
+                <a16:creationId xmlns:a16="http://schemas.microsoft.com/office/drawing/2014/main" id="{058B7813-9B81-F51D-E5B1-A9D70FAFBB46}"/>
+              </a:ext>
+            </a:extLst>
+          </p:cNvPr>
+          <p:cNvSpPr txBox="1"/>
+          <p:nvPr/>
+        </p:nvSpPr>
+        <p:spPr>
+          <a:xfrm>
+            <a:off x="11877262" y="1921684"/>
+            <a:ext cx="5622052" cy="1200329"/>
+          </a:xfrm>
+          <a:prstGeom prst="rect">
+            <a:avLst/>
+          </a:prstGeom>
+          <a:noFill/>
+        </p:spPr>
+        <p:txBody>
+          <a:bodyPr wrap="none" rtlCol="0">
+            <a:spAutoFit/>
+          </a:bodyPr>
+          <a:lstStyle/>
+          <a:p>
+            <a:r>
+              <a:rPr lang="ja-JP" altLang="en-US"/>
+              <a:t>横方向</a:t>
+            </a:r>
+            <a:r>
+              <a:rPr lang="en-US" altLang="ja-JP" dirty="0"/>
+              <a:t>(X Scale)</a:t>
+            </a:r>
+            <a:r>
+              <a:rPr lang="ja-JP" altLang="en-US"/>
+              <a:t>および縦方向</a:t>
+            </a:r>
+            <a:r>
+              <a:rPr lang="en-US" altLang="ja-JP" dirty="0"/>
+              <a:t>(Y Scale)</a:t>
+            </a:r>
+            <a:r>
+              <a:rPr lang="ja-JP" altLang="en-US"/>
+              <a:t>の大きさを</a:t>
+            </a:r>
+            <a:endParaRPr lang="en-US" altLang="ja-JP" dirty="0"/>
+          </a:p>
+          <a:p>
+            <a:r>
+              <a:rPr lang="ja-JP" altLang="en-US"/>
+              <a:t>指定することができます。</a:t>
+            </a:r>
+            <a:endParaRPr lang="en-US" altLang="ja-JP" dirty="0"/>
+          </a:p>
+          <a:p>
+            <a:r>
+              <a:rPr lang="ja-JP" altLang="en-US"/>
+              <a:t>大きさは</a:t>
+            </a:r>
+            <a:r>
+              <a:rPr lang="en-US" altLang="ja-JP" dirty="0"/>
+              <a:t>5</a:t>
+            </a:r>
+            <a:r>
+              <a:rPr lang="ja-JP" altLang="en-US"/>
+              <a:t>刻みになっており、横方向と縦方向ともに</a:t>
+            </a:r>
+            <a:endParaRPr lang="en-US" altLang="ja-JP" dirty="0"/>
+          </a:p>
+          <a:p>
+            <a:r>
+              <a:rPr lang="ja-JP" altLang="en-US"/>
+              <a:t>最小</a:t>
+            </a:r>
+            <a:r>
+              <a:rPr lang="en-US" altLang="ja-JP" dirty="0"/>
+              <a:t>10</a:t>
+            </a:r>
+            <a:r>
+              <a:rPr lang="ja-JP" altLang="en-US"/>
+              <a:t>、最大</a:t>
+            </a:r>
+            <a:r>
+              <a:rPr lang="en-US" altLang="ja-JP" dirty="0"/>
+              <a:t>100</a:t>
+            </a:r>
+            <a:r>
+              <a:rPr lang="ja-JP" altLang="en-US"/>
+              <a:t>になっています。</a:t>
+            </a:r>
+            <a:endParaRPr lang="en-US" altLang="ja-JP" dirty="0"/>
+          </a:p>
+        </p:txBody>
+      </p:sp>
+      <p:cxnSp>
+        <p:nvCxnSpPr>
+          <p:cNvPr id="40" name="直線矢印コネクタ 39">
+            <a:extLst>
+              <a:ext uri="{FF2B5EF4-FFF2-40B4-BE49-F238E27FC236}">
+                <a16:creationId xmlns:a16="http://schemas.microsoft.com/office/drawing/2014/main" id="{AB5EC030-EB19-FE2D-3912-8423604B9758}"/>
+              </a:ext>
+            </a:extLst>
+          </p:cNvPr>
+          <p:cNvCxnSpPr>
+            <a:cxnSpLocks/>
+          </p:cNvCxnSpPr>
+          <p:nvPr/>
+        </p:nvCxnSpPr>
+        <p:spPr>
+          <a:xfrm flipH="1" flipV="1">
+            <a:off x="7982955" y="2094227"/>
+            <a:ext cx="3829647" cy="1027786"/>
+          </a:xfrm>
+          <a:prstGeom prst="straightConnector1">
+            <a:avLst/>
+          </a:prstGeom>
+          <a:ln w="76200">
+            <a:solidFill>
+              <a:schemeClr val="accent1"/>
+            </a:solidFill>
+            <a:tailEnd type="triangle"/>
+          </a:ln>
+        </p:spPr>
+        <p:style>
+          <a:lnRef idx="1">
+            <a:schemeClr val="accent1"/>
+          </a:lnRef>
+          <a:fillRef idx="0">
+            <a:schemeClr val="accent1"/>
+          </a:fillRef>
+          <a:effectRef idx="0">
+            <a:schemeClr val="accent1"/>
+          </a:effectRef>
+          <a:fontRef idx="minor">
+            <a:schemeClr val="tx1"/>
+          </a:fontRef>
+        </p:style>
+      </p:cxnSp>
+      <p:cxnSp>
+        <p:nvCxnSpPr>
+          <p:cNvPr id="43" name="直線矢印コネクタ 42">
+            <a:extLst>
+              <a:ext uri="{FF2B5EF4-FFF2-40B4-BE49-F238E27FC236}">
+                <a16:creationId xmlns:a16="http://schemas.microsoft.com/office/drawing/2014/main" id="{65243FEA-8955-11D0-28D3-D2F13E729F5E}"/>
+              </a:ext>
+            </a:extLst>
+          </p:cNvPr>
+          <p:cNvCxnSpPr>
+            <a:cxnSpLocks/>
+          </p:cNvCxnSpPr>
+          <p:nvPr/>
+        </p:nvCxnSpPr>
+        <p:spPr>
+          <a:xfrm flipH="1" flipV="1">
+            <a:off x="10164726" y="2084908"/>
+            <a:ext cx="1663724" cy="436940"/>
+          </a:xfrm>
+          <a:prstGeom prst="straightConnector1">
+            <a:avLst/>
+          </a:prstGeom>
+          <a:ln w="76200">
+            <a:solidFill>
+              <a:schemeClr val="accent1"/>
+            </a:solidFill>
+            <a:tailEnd type="triangle"/>
+          </a:ln>
+        </p:spPr>
+        <p:style>
+          <a:lnRef idx="1">
+            <a:schemeClr val="accent1"/>
+          </a:lnRef>
+          <a:fillRef idx="0">
+            <a:schemeClr val="accent1"/>
+          </a:fillRef>
+          <a:effectRef idx="0">
+            <a:schemeClr val="accent1"/>
+          </a:effectRef>
+          <a:fontRef idx="minor">
+            <a:schemeClr val="tx1"/>
+          </a:fontRef>
+        </p:style>
+      </p:cxnSp>
+      <p:sp>
+        <p:nvSpPr>
+          <p:cNvPr id="48" name="正方形/長方形 47">
+            <a:extLst>
+              <a:ext uri="{FF2B5EF4-FFF2-40B4-BE49-F238E27FC236}">
+                <a16:creationId xmlns:a16="http://schemas.microsoft.com/office/drawing/2014/main" id="{339A31AB-3AFB-E9E9-CE67-BD36278EA7F2}"/>
+              </a:ext>
+            </a:extLst>
+          </p:cNvPr>
+          <p:cNvSpPr/>
+          <p:nvPr/>
+        </p:nvSpPr>
+        <p:spPr>
+          <a:xfrm>
+            <a:off x="1933818" y="-2611050"/>
+            <a:ext cx="4795354" cy="2503472"/>
+          </a:xfrm>
+          <a:prstGeom prst="rect">
+            <a:avLst/>
+          </a:prstGeom>
+          <a:solidFill>
+            <a:schemeClr val="bg1"/>
+          </a:solidFill>
+          <a:ln w="57150">
+            <a:solidFill>
+              <a:schemeClr val="accent1"/>
+            </a:solidFill>
+          </a:ln>
+        </p:spPr>
+        <p:style>
+          <a:lnRef idx="2">
+            <a:schemeClr val="accent1">
+              <a:shade val="50000"/>
+            </a:schemeClr>
+          </a:lnRef>
+          <a:fillRef idx="1">
+            <a:schemeClr val="accent1"/>
+          </a:fillRef>
+          <a:effectRef idx="0">
+            <a:schemeClr val="accent1"/>
+          </a:effectRef>
+          <a:fontRef idx="minor">
+            <a:schemeClr val="lt1"/>
+          </a:fontRef>
+        </p:style>
+        <p:txBody>
+          <a:bodyPr rtlCol="0" anchor="ctr"/>
+          <a:lstStyle/>
+          <a:p>
+            <a:pPr algn="ctr"/>
+            <a:endParaRPr kumimoji="1" lang="ja-JP" altLang="en-US"/>
+          </a:p>
+        </p:txBody>
+      </p:sp>
+      <p:sp>
+        <p:nvSpPr>
+          <p:cNvPr id="49" name="テキスト ボックス 48">
+            <a:extLst>
+              <a:ext uri="{FF2B5EF4-FFF2-40B4-BE49-F238E27FC236}">
+                <a16:creationId xmlns:a16="http://schemas.microsoft.com/office/drawing/2014/main" id="{E9D5377C-C921-DD7F-E904-004388214629}"/>
+              </a:ext>
+            </a:extLst>
+          </p:cNvPr>
+          <p:cNvSpPr txBox="1"/>
+          <p:nvPr/>
+        </p:nvSpPr>
+        <p:spPr>
+          <a:xfrm>
+            <a:off x="2572038" y="-2589452"/>
+            <a:ext cx="3005951" cy="400110"/>
+          </a:xfrm>
+          <a:prstGeom prst="rect">
+            <a:avLst/>
+          </a:prstGeom>
+          <a:noFill/>
+        </p:spPr>
+        <p:txBody>
+          <a:bodyPr wrap="none" rtlCol="0">
+            <a:spAutoFit/>
+          </a:bodyPr>
+          <a:lstStyle/>
+          <a:p>
+            <a:r>
+              <a:rPr lang="ja-JP" altLang="en-US" sz="2000" b="1"/>
+              <a:t>選択セル一斉適用ボタン</a:t>
+            </a:r>
+            <a:endParaRPr lang="en-US" altLang="ja-JP" sz="2000" b="1" dirty="0"/>
+          </a:p>
+        </p:txBody>
+      </p:sp>
+      <p:sp>
+        <p:nvSpPr>
+          <p:cNvPr id="50" name="テキスト ボックス 49">
+            <a:extLst>
+              <a:ext uri="{FF2B5EF4-FFF2-40B4-BE49-F238E27FC236}">
+                <a16:creationId xmlns:a16="http://schemas.microsoft.com/office/drawing/2014/main" id="{1E0074D4-CBED-A4B6-B4F7-A1DF0080F80C}"/>
+              </a:ext>
+            </a:extLst>
+          </p:cNvPr>
+          <p:cNvSpPr txBox="1"/>
+          <p:nvPr/>
+        </p:nvSpPr>
+        <p:spPr>
+          <a:xfrm>
+            <a:off x="2021970" y="-2170668"/>
+            <a:ext cx="4619049" cy="2031325"/>
+          </a:xfrm>
+          <a:prstGeom prst="rect">
+            <a:avLst/>
+          </a:prstGeom>
+          <a:noFill/>
+        </p:spPr>
+        <p:txBody>
+          <a:bodyPr wrap="square" rtlCol="0">
+            <a:spAutoFit/>
+          </a:bodyPr>
+          <a:lstStyle/>
+          <a:p>
+            <a:r>
+              <a:rPr lang="ja-JP" altLang="en-US"/>
+              <a:t>プレート作成テーブルで選択しているすべてのセルに対して操作を行うボタンです。</a:t>
+            </a:r>
+            <a:br>
+              <a:rPr lang="en-US" altLang="ja-JP" dirty="0"/>
+            </a:br>
+            <a:br>
+              <a:rPr lang="en-US" altLang="ja-JP" dirty="0"/>
+            </a:br>
+            <a:r>
+              <a:rPr lang="en-US" altLang="ja-JP" dirty="0"/>
+              <a:t>0:</a:t>
+            </a:r>
+            <a:r>
+              <a:rPr lang="ja-JP" altLang="en-US"/>
+              <a:t>ブロックなし</a:t>
+            </a:r>
+            <a:endParaRPr lang="en-US" altLang="ja-JP" dirty="0"/>
+          </a:p>
+          <a:p>
+            <a:r>
+              <a:rPr lang="en-US" altLang="ja-JP" b="1" dirty="0">
+                <a:solidFill>
+                  <a:schemeClr val="accent6">
+                    <a:lumMod val="50000"/>
+                  </a:schemeClr>
+                </a:solidFill>
+              </a:rPr>
+              <a:t>1(</a:t>
+            </a:r>
+            <a:r>
+              <a:rPr lang="ja-JP" altLang="en-US" b="1">
+                <a:solidFill>
+                  <a:schemeClr val="accent6">
+                    <a:lumMod val="50000"/>
+                  </a:schemeClr>
+                </a:solidFill>
+              </a:rPr>
+              <a:t>緑</a:t>
+            </a:r>
+            <a:r>
+              <a:rPr lang="en-US" altLang="ja-JP" b="1" dirty="0">
+                <a:solidFill>
+                  <a:schemeClr val="accent6">
+                    <a:lumMod val="50000"/>
+                  </a:schemeClr>
+                </a:solidFill>
+              </a:rPr>
+              <a:t>): </a:t>
+            </a:r>
+            <a:r>
+              <a:rPr lang="ja-JP" altLang="en-US" b="1">
+                <a:solidFill>
+                  <a:schemeClr val="accent6">
+                    <a:lumMod val="50000"/>
+                  </a:schemeClr>
+                </a:solidFill>
+              </a:rPr>
+              <a:t>円筒形の穴</a:t>
+            </a:r>
+            <a:endParaRPr lang="en-US" altLang="ja-JP" b="1" dirty="0">
+              <a:solidFill>
+                <a:schemeClr val="accent6">
+                  <a:lumMod val="50000"/>
+                </a:schemeClr>
+              </a:solidFill>
+            </a:endParaRPr>
+          </a:p>
+          <a:p>
+            <a:r>
+              <a:rPr lang="en-US" altLang="ja-JP" b="1" dirty="0">
+                <a:solidFill>
+                  <a:schemeClr val="accent2">
+                    <a:lumMod val="75000"/>
+                  </a:schemeClr>
+                </a:solidFill>
+              </a:rPr>
+              <a:t>2(</a:t>
+            </a:r>
+            <a:r>
+              <a:rPr lang="ja-JP" altLang="en-US" b="1">
+                <a:solidFill>
+                  <a:schemeClr val="accent2">
+                    <a:lumMod val="75000"/>
+                  </a:schemeClr>
+                </a:solidFill>
+              </a:rPr>
+              <a:t>橙</a:t>
+            </a:r>
+            <a:r>
+              <a:rPr lang="en-US" altLang="ja-JP" b="1" dirty="0">
+                <a:solidFill>
+                  <a:schemeClr val="accent2">
+                    <a:lumMod val="75000"/>
+                  </a:schemeClr>
+                </a:solidFill>
+              </a:rPr>
+              <a:t>): </a:t>
+            </a:r>
+            <a:r>
+              <a:rPr lang="ja-JP" altLang="en-US" b="1">
+                <a:solidFill>
+                  <a:schemeClr val="accent2">
+                    <a:lumMod val="75000"/>
+                  </a:schemeClr>
+                </a:solidFill>
+              </a:rPr>
+              <a:t>十字型の穴</a:t>
+            </a:r>
+            <a:endParaRPr lang="en-US" altLang="ja-JP" b="1" dirty="0">
+              <a:solidFill>
+                <a:schemeClr val="accent2">
+                  <a:lumMod val="75000"/>
+                </a:schemeClr>
+              </a:solidFill>
+            </a:endParaRPr>
+          </a:p>
+          <a:p>
+            <a:r>
+              <a:rPr lang="en-US" altLang="ja-JP" b="1" dirty="0">
+                <a:solidFill>
+                  <a:srgbClr val="7030A0"/>
+                </a:solidFill>
+              </a:rPr>
+              <a:t>3</a:t>
+            </a:r>
+            <a:r>
+              <a:rPr lang="en-US" altLang="ja-JP" b="1" dirty="0">
+                <a:solidFill>
+                  <a:srgbClr val="7030A0"/>
+                </a:solidFill>
+                <a:sym typeface="Wingdings" pitchFamily="2" charset="2"/>
+              </a:rPr>
+              <a:t>(</a:t>
+            </a:r>
+            <a:r>
+              <a:rPr lang="ja-JP" altLang="en-US" b="1">
+                <a:solidFill>
+                  <a:srgbClr val="7030A0"/>
+                </a:solidFill>
+                <a:sym typeface="Wingdings" pitchFamily="2" charset="2"/>
+              </a:rPr>
+              <a:t>紫</a:t>
+            </a:r>
+            <a:r>
+              <a:rPr lang="en-US" altLang="ja-JP" b="1" dirty="0">
+                <a:solidFill>
+                  <a:srgbClr val="7030A0"/>
+                </a:solidFill>
+                <a:sym typeface="Wingdings" pitchFamily="2" charset="2"/>
+              </a:rPr>
+              <a:t>): </a:t>
+            </a:r>
+            <a:r>
+              <a:rPr lang="ja-JP" altLang="en-US" b="1">
+                <a:solidFill>
+                  <a:srgbClr val="7030A0"/>
+                </a:solidFill>
+                <a:sym typeface="Wingdings" pitchFamily="2" charset="2"/>
+              </a:rPr>
+              <a:t>穴なし</a:t>
+            </a:r>
+            <a:endParaRPr lang="en-US" altLang="ja-JP" b="1" dirty="0">
+              <a:solidFill>
+                <a:srgbClr val="7030A0"/>
+              </a:solidFill>
+            </a:endParaRPr>
+          </a:p>
+        </p:txBody>
+      </p:sp>
+      <p:cxnSp>
+        <p:nvCxnSpPr>
+          <p:cNvPr id="51" name="直線矢印コネクタ 50">
+            <a:extLst>
+              <a:ext uri="{FF2B5EF4-FFF2-40B4-BE49-F238E27FC236}">
+                <a16:creationId xmlns:a16="http://schemas.microsoft.com/office/drawing/2014/main" id="{DAE58338-F01A-20F5-228A-5258609042E9}"/>
+              </a:ext>
+            </a:extLst>
+          </p:cNvPr>
+          <p:cNvCxnSpPr>
+            <a:cxnSpLocks/>
+          </p:cNvCxnSpPr>
+          <p:nvPr/>
+        </p:nvCxnSpPr>
+        <p:spPr>
+          <a:xfrm flipH="1">
+            <a:off x="2406913" y="-24335"/>
+            <a:ext cx="69419" cy="367861"/>
+          </a:xfrm>
+          <a:prstGeom prst="straightConnector1">
+            <a:avLst/>
+          </a:prstGeom>
+          <a:ln w="76200">
+            <a:solidFill>
+              <a:schemeClr val="accent1"/>
+            </a:solidFill>
+            <a:tailEnd type="triangle"/>
+          </a:ln>
+        </p:spPr>
+        <p:style>
+          <a:lnRef idx="1">
+            <a:schemeClr val="accent1"/>
+          </a:lnRef>
+          <a:fillRef idx="0">
+            <a:schemeClr val="accent1"/>
+          </a:fillRef>
+          <a:effectRef idx="0">
+            <a:schemeClr val="accent1"/>
+          </a:effectRef>
+          <a:fontRef idx="minor">
+            <a:schemeClr val="tx1"/>
+          </a:fontRef>
+        </p:style>
+      </p:cxnSp>
+      <p:cxnSp>
+        <p:nvCxnSpPr>
+          <p:cNvPr id="53" name="直線矢印コネクタ 52">
+            <a:extLst>
+              <a:ext uri="{FF2B5EF4-FFF2-40B4-BE49-F238E27FC236}">
+                <a16:creationId xmlns:a16="http://schemas.microsoft.com/office/drawing/2014/main" id="{F71B85A8-CA79-2EF3-446A-9FCF4F799A28}"/>
+              </a:ext>
+            </a:extLst>
+          </p:cNvPr>
+          <p:cNvCxnSpPr>
+            <a:cxnSpLocks/>
+          </p:cNvCxnSpPr>
+          <p:nvPr/>
+        </p:nvCxnSpPr>
+        <p:spPr>
+          <a:xfrm flipH="1">
+            <a:off x="3097667" y="-43090"/>
+            <a:ext cx="69419" cy="367861"/>
+          </a:xfrm>
+          <a:prstGeom prst="straightConnector1">
+            <a:avLst/>
+          </a:prstGeom>
+          <a:ln w="76200">
+            <a:solidFill>
+              <a:schemeClr val="accent1"/>
+            </a:solidFill>
+            <a:tailEnd type="triangle"/>
+          </a:ln>
+        </p:spPr>
+        <p:style>
+          <a:lnRef idx="1">
+            <a:schemeClr val="accent1"/>
+          </a:lnRef>
+          <a:fillRef idx="0">
+            <a:schemeClr val="accent1"/>
+          </a:fillRef>
+          <a:effectRef idx="0">
+            <a:schemeClr val="accent1"/>
+          </a:effectRef>
+          <a:fontRef idx="minor">
+            <a:schemeClr val="tx1"/>
+          </a:fontRef>
+        </p:style>
+      </p:cxnSp>
+      <p:cxnSp>
+        <p:nvCxnSpPr>
+          <p:cNvPr id="54" name="直線矢印コネクタ 53">
+            <a:extLst>
+              <a:ext uri="{FF2B5EF4-FFF2-40B4-BE49-F238E27FC236}">
+                <a16:creationId xmlns:a16="http://schemas.microsoft.com/office/drawing/2014/main" id="{35DAED5C-5E1C-F0BA-C1AD-B37EBE0D02A0}"/>
+              </a:ext>
+            </a:extLst>
+          </p:cNvPr>
+          <p:cNvCxnSpPr>
+            <a:cxnSpLocks/>
+          </p:cNvCxnSpPr>
+          <p:nvPr/>
+        </p:nvCxnSpPr>
+        <p:spPr>
+          <a:xfrm flipH="1">
+            <a:off x="3637049" y="-24335"/>
+            <a:ext cx="151372" cy="461920"/>
+          </a:xfrm>
+          <a:prstGeom prst="straightConnector1">
+            <a:avLst/>
+          </a:prstGeom>
+          <a:ln w="76200">
+            <a:solidFill>
+              <a:schemeClr val="accent1"/>
+            </a:solidFill>
+            <a:tailEnd type="triangle"/>
+          </a:ln>
+        </p:spPr>
+        <p:style>
+          <a:lnRef idx="1">
+            <a:schemeClr val="accent1"/>
+          </a:lnRef>
+          <a:fillRef idx="0">
+            <a:schemeClr val="accent1"/>
+          </a:fillRef>
+          <a:effectRef idx="0">
+            <a:schemeClr val="accent1"/>
+          </a:effectRef>
+          <a:fontRef idx="minor">
+            <a:schemeClr val="tx1"/>
+          </a:fontRef>
+        </p:style>
+      </p:cxnSp>
+      <p:cxnSp>
+        <p:nvCxnSpPr>
+          <p:cNvPr id="58" name="直線矢印コネクタ 57">
+            <a:extLst>
+              <a:ext uri="{FF2B5EF4-FFF2-40B4-BE49-F238E27FC236}">
+                <a16:creationId xmlns:a16="http://schemas.microsoft.com/office/drawing/2014/main" id="{E6DB70F8-4FC6-F4D6-052F-49E206B8D5DF}"/>
+              </a:ext>
+            </a:extLst>
+          </p:cNvPr>
+          <p:cNvCxnSpPr>
+            <a:cxnSpLocks/>
+          </p:cNvCxnSpPr>
+          <p:nvPr/>
+        </p:nvCxnSpPr>
+        <p:spPr>
+          <a:xfrm flipH="1">
+            <a:off x="4257669" y="-86107"/>
+            <a:ext cx="151372" cy="461920"/>
+          </a:xfrm>
+          <a:prstGeom prst="straightConnector1">
+            <a:avLst/>
+          </a:prstGeom>
+          <a:ln w="76200">
+            <a:solidFill>
+              <a:schemeClr val="accent1"/>
             </a:solidFill>
             <a:tailEnd type="triangle"/>
           </a:ln>

--- a/readmeImage/素材.pptx
+++ b/readmeImage/素材.pptx
@@ -6,6 +6,7 @@
   </p:sldMasterIdLst>
   <p:sldIdLst>
     <p:sldId id="256" r:id="rId2"/>
+    <p:sldId id="257" r:id="rId3"/>
   </p:sldIdLst>
   <p:sldSz cx="12192000" cy="6858000"/>
   <p:notesSz cx="6858000" cy="9144000"/>
@@ -259,7 +260,7 @@
           <a:p>
             <a:fld id="{6D45DB4D-E349-9B4C-9A89-4C090BD18885}" type="datetimeFigureOut">
               <a:rPr kumimoji="1" lang="ja-JP" altLang="en-US" smtClean="0"/>
-              <a:t>2022/7/6</a:t>
+              <a:t>2022/11/27</a:t>
             </a:fld>
             <a:endParaRPr kumimoji="1" lang="ja-JP" altLang="en-US"/>
           </a:p>
@@ -489,7 +490,7 @@
           <a:p>
             <a:fld id="{6D45DB4D-E349-9B4C-9A89-4C090BD18885}" type="datetimeFigureOut">
               <a:rPr kumimoji="1" lang="ja-JP" altLang="en-US" smtClean="0"/>
-              <a:t>2022/7/6</a:t>
+              <a:t>2022/11/27</a:t>
             </a:fld>
             <a:endParaRPr kumimoji="1" lang="ja-JP" altLang="en-US"/>
           </a:p>
@@ -729,7 +730,7 @@
           <a:p>
             <a:fld id="{6D45DB4D-E349-9B4C-9A89-4C090BD18885}" type="datetimeFigureOut">
               <a:rPr kumimoji="1" lang="ja-JP" altLang="en-US" smtClean="0"/>
-              <a:t>2022/7/6</a:t>
+              <a:t>2022/11/27</a:t>
             </a:fld>
             <a:endParaRPr kumimoji="1" lang="ja-JP" altLang="en-US"/>
           </a:p>
@@ -959,7 +960,7 @@
           <a:p>
             <a:fld id="{6D45DB4D-E349-9B4C-9A89-4C090BD18885}" type="datetimeFigureOut">
               <a:rPr kumimoji="1" lang="ja-JP" altLang="en-US" smtClean="0"/>
-              <a:t>2022/7/6</a:t>
+              <a:t>2022/11/27</a:t>
             </a:fld>
             <a:endParaRPr kumimoji="1" lang="ja-JP" altLang="en-US"/>
           </a:p>
@@ -1234,7 +1235,7 @@
           <a:p>
             <a:fld id="{6D45DB4D-E349-9B4C-9A89-4C090BD18885}" type="datetimeFigureOut">
               <a:rPr kumimoji="1" lang="ja-JP" altLang="en-US" smtClean="0"/>
-              <a:t>2022/7/6</a:t>
+              <a:t>2022/11/27</a:t>
             </a:fld>
             <a:endParaRPr kumimoji="1" lang="ja-JP" altLang="en-US"/>
           </a:p>
@@ -1563,7 +1564,7 @@
           <a:p>
             <a:fld id="{6D45DB4D-E349-9B4C-9A89-4C090BD18885}" type="datetimeFigureOut">
               <a:rPr kumimoji="1" lang="ja-JP" altLang="en-US" smtClean="0"/>
-              <a:t>2022/7/6</a:t>
+              <a:t>2022/11/27</a:t>
             </a:fld>
             <a:endParaRPr kumimoji="1" lang="ja-JP" altLang="en-US"/>
           </a:p>
@@ -2039,7 +2040,7 @@
           <a:p>
             <a:fld id="{6D45DB4D-E349-9B4C-9A89-4C090BD18885}" type="datetimeFigureOut">
               <a:rPr kumimoji="1" lang="ja-JP" altLang="en-US" smtClean="0"/>
-              <a:t>2022/7/6</a:t>
+              <a:t>2022/11/27</a:t>
             </a:fld>
             <a:endParaRPr kumimoji="1" lang="ja-JP" altLang="en-US"/>
           </a:p>
@@ -2180,7 +2181,7 @@
           <a:p>
             <a:fld id="{6D45DB4D-E349-9B4C-9A89-4C090BD18885}" type="datetimeFigureOut">
               <a:rPr kumimoji="1" lang="ja-JP" altLang="en-US" smtClean="0"/>
-              <a:t>2022/7/6</a:t>
+              <a:t>2022/11/27</a:t>
             </a:fld>
             <a:endParaRPr kumimoji="1" lang="ja-JP" altLang="en-US"/>
           </a:p>
@@ -2293,7 +2294,7 @@
           <a:p>
             <a:fld id="{6D45DB4D-E349-9B4C-9A89-4C090BD18885}" type="datetimeFigureOut">
               <a:rPr kumimoji="1" lang="ja-JP" altLang="en-US" smtClean="0"/>
-              <a:t>2022/7/6</a:t>
+              <a:t>2022/11/27</a:t>
             </a:fld>
             <a:endParaRPr kumimoji="1" lang="ja-JP" altLang="en-US"/>
           </a:p>
@@ -2636,7 +2637,7 @@
           <a:p>
             <a:fld id="{6D45DB4D-E349-9B4C-9A89-4C090BD18885}" type="datetimeFigureOut">
               <a:rPr kumimoji="1" lang="ja-JP" altLang="en-US" smtClean="0"/>
-              <a:t>2022/7/6</a:t>
+              <a:t>2022/11/27</a:t>
             </a:fld>
             <a:endParaRPr kumimoji="1" lang="ja-JP" altLang="en-US"/>
           </a:p>
@@ -2924,7 +2925,7 @@
           <a:p>
             <a:fld id="{6D45DB4D-E349-9B4C-9A89-4C090BD18885}" type="datetimeFigureOut">
               <a:rPr kumimoji="1" lang="ja-JP" altLang="en-US" smtClean="0"/>
-              <a:t>2022/7/6</a:t>
+              <a:t>2022/11/27</a:t>
             </a:fld>
             <a:endParaRPr kumimoji="1" lang="ja-JP" altLang="en-US"/>
           </a:p>
@@ -3197,7 +3198,7 @@
           <a:p>
             <a:fld id="{6D45DB4D-E349-9B4C-9A89-4C090BD18885}" type="datetimeFigureOut">
               <a:rPr kumimoji="1" lang="ja-JP" altLang="en-US" smtClean="0"/>
-              <a:t>2022/7/6</a:t>
+              <a:t>2022/11/27</a:t>
             </a:fld>
             <a:endParaRPr kumimoji="1" lang="ja-JP" altLang="en-US"/>
           </a:p>
@@ -3658,8 +3659,8 @@
         </p:nvSpPr>
         <p:spPr>
           <a:xfrm>
-            <a:off x="7918295" y="-1536532"/>
-            <a:ext cx="5662710" cy="1465446"/>
+            <a:off x="7918295" y="-2611050"/>
+            <a:ext cx="8902412" cy="2539964"/>
           </a:xfrm>
           <a:prstGeom prst="rect">
             <a:avLst/>
@@ -3712,8 +3713,8 @@
         </p:nvSpPr>
         <p:spPr>
           <a:xfrm>
-            <a:off x="8335616" y="-1364789"/>
-            <a:ext cx="4544834" cy="400110"/>
+            <a:off x="8402482" y="-2535047"/>
+            <a:ext cx="4288353" cy="400110"/>
           </a:xfrm>
           <a:prstGeom prst="rect">
             <a:avLst/>
@@ -3728,7 +3729,7 @@
           <a:p>
             <a:r>
               <a:rPr lang="ja-JP" altLang="en-US" sz="2000" b="1"/>
-              <a:t>プレート穴変更ドロップダウンリスト</a:t>
+              <a:t>ブロック変更ドロップダウンリスト</a:t>
             </a:r>
             <a:endParaRPr lang="en-US" altLang="ja-JP" sz="2000" b="1" dirty="0"/>
           </a:p>
@@ -3748,8 +3749,8 @@
         </p:nvSpPr>
         <p:spPr>
           <a:xfrm>
-            <a:off x="7982955" y="-994417"/>
-            <a:ext cx="5711820" cy="923330"/>
+            <a:off x="7982955" y="-2184239"/>
+            <a:ext cx="8956298" cy="2031325"/>
           </a:xfrm>
           <a:prstGeom prst="rect">
             <a:avLst/>
@@ -3764,7 +3765,7 @@
           <a:p>
             <a:r>
               <a:rPr lang="ja-JP" altLang="en-US"/>
-              <a:t>プレートの穴径を変更します。</a:t>
+              <a:t>プレートを構成するブロックを変更します。</a:t>
             </a:r>
             <a:endParaRPr lang="en-US" altLang="ja-JP" dirty="0"/>
           </a:p>
@@ -3775,18 +3776,90 @@
             </a:r>
             <a:r>
               <a:rPr lang="ja-JP" altLang="en-US"/>
-              <a:t>某楽しい工作シリーズに互換しそうです。</a:t>
+              <a:t>某楽しい工作シリーズに互換しそうな穴です</a:t>
             </a:r>
             <a:endParaRPr lang="en-US" altLang="ja-JP" dirty="0"/>
           </a:p>
           <a:p>
             <a:r>
               <a:rPr lang="en-US" altLang="ja-JP" dirty="0"/>
-              <a:t>4.8 mm :</a:t>
+              <a:t>4.8 mm :LEGO</a:t>
             </a:r>
             <a:r>
               <a:rPr lang="ja-JP" altLang="en-US"/>
-              <a:t>某デンマークのブロックに互換しそうです。</a:t>
+              <a:t>テクニック規格について互換しそうな穴です</a:t>
+            </a:r>
+            <a:endParaRPr lang="en-US" altLang="ja-JP" dirty="0"/>
+          </a:p>
+          <a:p>
+            <a:r>
+              <a:rPr lang="en-US" altLang="ja-JP" dirty="0"/>
+              <a:t>2x2ClassicBlock: 2x2</a:t>
+            </a:r>
+            <a:r>
+              <a:rPr lang="ja-JP" altLang="en-US"/>
+              <a:t>の</a:t>
+            </a:r>
+            <a:r>
+              <a:rPr lang="en-US" altLang="ja-JP" dirty="0"/>
+              <a:t>LEGO</a:t>
+            </a:r>
+            <a:r>
+              <a:rPr lang="ja-JP" altLang="en-US"/>
+              <a:t>クラシック規格について互換しそうなブロックです</a:t>
+            </a:r>
+            <a:endParaRPr lang="en-US" altLang="ja-JP" dirty="0"/>
+          </a:p>
+          <a:p>
+            <a:r>
+              <a:rPr lang="en-US" altLang="ja-JP" dirty="0"/>
+              <a:t>2x2CircleHoleClassicBlock: 2x2</a:t>
+            </a:r>
+            <a:r>
+              <a:rPr lang="ja-JP" altLang="en-US"/>
+              <a:t>の</a:t>
+            </a:r>
+            <a:r>
+              <a:rPr lang="en-US" altLang="ja-JP" dirty="0"/>
+              <a:t>LEGO</a:t>
+            </a:r>
+            <a:r>
+              <a:rPr lang="ja-JP" altLang="en-US"/>
+              <a:t>クラシック規格について互換しそうな</a:t>
+            </a:r>
+            <a:br>
+              <a:rPr lang="en-US" altLang="ja-JP" dirty="0"/>
+            </a:br>
+            <a:r>
+              <a:rPr lang="ja-JP" altLang="en-US"/>
+              <a:t>　</a:t>
+            </a:r>
+            <a:r>
+              <a:rPr lang="en-US" altLang="ja-JP" dirty="0"/>
+              <a:t>			</a:t>
+            </a:r>
+            <a:r>
+              <a:rPr lang="ja-JP" altLang="en-US"/>
+              <a:t>　ブロックで、軸受の形が複数の丸形で構成されています</a:t>
+            </a:r>
+            <a:endParaRPr lang="en-US" altLang="ja-JP" dirty="0"/>
+          </a:p>
+          <a:p>
+            <a:r>
+              <a:rPr lang="en-US" altLang="ja-JP" dirty="0"/>
+              <a:t>1x1ClassicBlock: 1x1</a:t>
+            </a:r>
+            <a:r>
+              <a:rPr lang="ja-JP" altLang="en-US"/>
+              <a:t>の</a:t>
+            </a:r>
+            <a:r>
+              <a:rPr lang="en-US" altLang="ja-JP" dirty="0"/>
+              <a:t>LEGO</a:t>
+            </a:r>
+            <a:r>
+              <a:rPr lang="ja-JP" altLang="en-US"/>
+              <a:t>クラシック規格について互換しそうなブロックです</a:t>
             </a:r>
             <a:endParaRPr lang="en-US" altLang="ja-JP" dirty="0"/>
           </a:p>
@@ -4000,6 +4073,26 @@
               </a:rPr>
               <a:t>円筒形の穴</a:t>
             </a:r>
+            <a:r>
+              <a:rPr lang="en-US" altLang="ja-JP" b="1" dirty="0">
+                <a:solidFill>
+                  <a:schemeClr val="accent6">
+                    <a:lumMod val="50000"/>
+                  </a:schemeClr>
+                </a:solidFill>
+              </a:rPr>
+              <a:t> </a:t>
+            </a:r>
+            <a:r>
+              <a:rPr lang="ja-JP" altLang="en-US" b="1">
+                <a:solidFill>
+                  <a:schemeClr val="accent6">
+                    <a:lumMod val="50000"/>
+                  </a:schemeClr>
+                </a:solidFill>
+              </a:rPr>
+              <a:t>あるいはスタッドありブロック</a:t>
+            </a:r>
             <a:endParaRPr lang="en-US" altLang="ja-JP" b="1" dirty="0">
               <a:solidFill>
                 <a:schemeClr val="accent6">
@@ -4049,6 +4142,26 @@
               </a:rPr>
               <a:t>十字型の穴</a:t>
             </a:r>
+            <a:r>
+              <a:rPr lang="en-US" altLang="ja-JP" b="1" dirty="0">
+                <a:solidFill>
+                  <a:schemeClr val="accent2">
+                    <a:lumMod val="75000"/>
+                  </a:schemeClr>
+                </a:solidFill>
+              </a:rPr>
+              <a:t> </a:t>
+            </a:r>
+            <a:r>
+              <a:rPr lang="ja-JP" altLang="en-US" b="1">
+                <a:solidFill>
+                  <a:schemeClr val="accent2">
+                    <a:lumMod val="75000"/>
+                  </a:schemeClr>
+                </a:solidFill>
+              </a:rPr>
+              <a:t>あるいは丸穴付きスタッドありブロック</a:t>
+            </a:r>
             <a:endParaRPr lang="en-US" altLang="ja-JP" b="1" dirty="0">
               <a:solidFill>
                 <a:schemeClr val="accent2">
@@ -4101,6 +4214,24 @@
                 <a:sym typeface="Wingdings" pitchFamily="2" charset="2"/>
               </a:rPr>
               <a:t>穴なし</a:t>
+            </a:r>
+            <a:r>
+              <a:rPr lang="en-US" altLang="ja-JP" b="1" dirty="0">
+                <a:solidFill>
+                  <a:srgbClr val="7030A0"/>
+                </a:solidFill>
+                <a:sym typeface="Wingdings" pitchFamily="2" charset="2"/>
+              </a:rPr>
+              <a:t> </a:t>
+            </a:r>
+            <a:r>
+              <a:rPr lang="ja-JP" altLang="en-US" b="1">
+                <a:solidFill>
+                  <a:srgbClr val="7030A0"/>
+                </a:solidFill>
+                <a:sym typeface="Wingdings" pitchFamily="2" charset="2"/>
+              </a:rPr>
+              <a:t>あるいはスタッドなしブロック</a:t>
             </a:r>
             <a:endParaRPr lang="en-US" altLang="ja-JP" b="1" dirty="0">
               <a:solidFill>
@@ -5286,8 +5417,8 @@
         </p:nvSpPr>
         <p:spPr>
           <a:xfrm>
-            <a:off x="1933818" y="-2611050"/>
-            <a:ext cx="4795354" cy="2503472"/>
+            <a:off x="1220049" y="-2611050"/>
+            <a:ext cx="6510281" cy="2503472"/>
           </a:xfrm>
           <a:prstGeom prst="rect">
             <a:avLst/>
@@ -5376,8 +5507,8 @@
         </p:nvSpPr>
         <p:spPr>
           <a:xfrm>
-            <a:off x="2021970" y="-2170668"/>
-            <a:ext cx="4619049" cy="2031325"/>
+            <a:off x="1231815" y="-2213677"/>
+            <a:ext cx="6372184" cy="2031325"/>
           </a:xfrm>
           <a:prstGeom prst="rect">
             <a:avLst/>
@@ -5451,6 +5582,26 @@
               </a:rPr>
               <a:t>円筒形の穴</a:t>
             </a:r>
+            <a:r>
+              <a:rPr lang="en-US" altLang="ja-JP" b="1" dirty="0">
+                <a:solidFill>
+                  <a:schemeClr val="accent6">
+                    <a:lumMod val="50000"/>
+                  </a:schemeClr>
+                </a:solidFill>
+              </a:rPr>
+              <a:t> </a:t>
+            </a:r>
+            <a:r>
+              <a:rPr lang="ja-JP" altLang="en-US" b="1">
+                <a:solidFill>
+                  <a:schemeClr val="accent6">
+                    <a:lumMod val="50000"/>
+                  </a:schemeClr>
+                </a:solidFill>
+              </a:rPr>
+              <a:t>あるいはスタッドありブロック</a:t>
+            </a:r>
             <a:endParaRPr lang="en-US" altLang="ja-JP" b="1" dirty="0">
               <a:solidFill>
                 <a:schemeClr val="accent6">
@@ -5500,6 +5651,26 @@
               </a:rPr>
               <a:t>十字型の穴</a:t>
             </a:r>
+            <a:r>
+              <a:rPr lang="en-US" altLang="ja-JP" b="1" dirty="0">
+                <a:solidFill>
+                  <a:schemeClr val="accent2">
+                    <a:lumMod val="75000"/>
+                  </a:schemeClr>
+                </a:solidFill>
+              </a:rPr>
+              <a:t> </a:t>
+            </a:r>
+            <a:r>
+              <a:rPr lang="ja-JP" altLang="en-US" b="1">
+                <a:solidFill>
+                  <a:schemeClr val="accent2">
+                    <a:lumMod val="75000"/>
+                  </a:schemeClr>
+                </a:solidFill>
+              </a:rPr>
+              <a:t>あるいは丸穴付きスタッドありブロック</a:t>
+            </a:r>
             <a:endParaRPr lang="en-US" altLang="ja-JP" b="1" dirty="0">
               <a:solidFill>
                 <a:schemeClr val="accent2">
@@ -5553,6 +5724,24 @@
               </a:rPr>
               <a:t>穴なし</a:t>
             </a:r>
+            <a:r>
+              <a:rPr lang="en-US" altLang="ja-JP" b="1" dirty="0">
+                <a:solidFill>
+                  <a:srgbClr val="7030A0"/>
+                </a:solidFill>
+                <a:sym typeface="Wingdings" pitchFamily="2" charset="2"/>
+              </a:rPr>
+              <a:t> </a:t>
+            </a:r>
+            <a:r>
+              <a:rPr lang="ja-JP" altLang="en-US" b="1">
+                <a:solidFill>
+                  <a:srgbClr val="7030A0"/>
+                </a:solidFill>
+                <a:sym typeface="Wingdings" pitchFamily="2" charset="2"/>
+              </a:rPr>
+              <a:t>あるいはスタッドなしブロック</a:t>
+            </a:r>
             <a:endParaRPr lang="en-US" altLang="ja-JP" b="1" dirty="0">
               <a:solidFill>
                 <a:srgbClr val="7030A0"/>
@@ -5577,8 +5766,8 @@
         </p:nvCxnSpPr>
         <p:spPr>
           <a:xfrm flipH="1">
-            <a:off x="2406913" y="-24335"/>
-            <a:ext cx="69419" cy="367861"/>
+            <a:off x="2406913" y="-165146"/>
+            <a:ext cx="151372" cy="508672"/>
           </a:xfrm>
           <a:prstGeom prst="straightConnector1">
             <a:avLst/>
@@ -5621,8 +5810,8 @@
         </p:nvCxnSpPr>
         <p:spPr>
           <a:xfrm flipH="1">
-            <a:off x="3097667" y="-43090"/>
-            <a:ext cx="69419" cy="367861"/>
+            <a:off x="3097667" y="-199404"/>
+            <a:ext cx="70134" cy="524175"/>
           </a:xfrm>
           <a:prstGeom prst="straightConnector1">
             <a:avLst/>
@@ -5665,8 +5854,8 @@
         </p:nvCxnSpPr>
         <p:spPr>
           <a:xfrm flipH="1">
-            <a:off x="3637049" y="-24335"/>
-            <a:ext cx="151372" cy="461920"/>
+            <a:off x="3637049" y="-152914"/>
+            <a:ext cx="151372" cy="590499"/>
           </a:xfrm>
           <a:prstGeom prst="straightConnector1">
             <a:avLst/>
@@ -5741,6 +5930,1558 @@
     <p:extLst>
       <p:ext uri="{BB962C8B-B14F-4D97-AF65-F5344CB8AC3E}">
         <p14:creationId xmlns:p14="http://schemas.microsoft.com/office/powerpoint/2010/main" val="3809877187"/>
+      </p:ext>
+    </p:extLst>
+  </p:cSld>
+  <p:clrMapOvr>
+    <a:masterClrMapping/>
+  </p:clrMapOvr>
+</p:sld>
+</file>
+
+<file path=ppt/slides/slide2.xml><?xml version="1.0" encoding="utf-8"?>
+<p:sld xmlns:a="http://schemas.openxmlformats.org/drawingml/2006/main" xmlns:r="http://schemas.openxmlformats.org/officeDocument/2006/relationships" xmlns:p="http://schemas.openxmlformats.org/presentationml/2006/main">
+  <p:cSld>
+    <p:spTree>
+      <p:nvGrpSpPr>
+        <p:cNvPr id="1" name=""/>
+        <p:cNvGrpSpPr/>
+        <p:nvPr/>
+      </p:nvGrpSpPr>
+      <p:grpSpPr>
+        <a:xfrm>
+          <a:off x="0" y="0"/>
+          <a:ext cx="0" cy="0"/>
+          <a:chOff x="0" y="0"/>
+          <a:chExt cx="0" cy="0"/>
+        </a:xfrm>
+      </p:grpSpPr>
+      <p:graphicFrame>
+        <p:nvGraphicFramePr>
+          <p:cNvPr id="4" name="表 4">
+            <a:extLst>
+              <a:ext uri="{FF2B5EF4-FFF2-40B4-BE49-F238E27FC236}">
+                <a16:creationId xmlns:a16="http://schemas.microsoft.com/office/drawing/2014/main" id="{EC5907CF-4069-9012-9924-2E959FF4E15C}"/>
+              </a:ext>
+            </a:extLst>
+          </p:cNvPr>
+          <p:cNvGraphicFramePr>
+            <a:graphicFrameLocks noGrp="1"/>
+          </p:cNvGraphicFramePr>
+          <p:nvPr>
+            <p:extLst>
+              <p:ext uri="{D42A27DB-BD31-4B8C-83A1-F6EECF244321}">
+                <p14:modId xmlns:p14="http://schemas.microsoft.com/office/powerpoint/2010/main" val="194305695"/>
+              </p:ext>
+            </p:extLst>
+          </p:nvPr>
+        </p:nvGraphicFramePr>
+        <p:xfrm>
+          <a:off x="-1786270" y="-1079363"/>
+          <a:ext cx="11121656" cy="15369521"/>
+        </p:xfrm>
+        <a:graphic>
+          <a:graphicData uri="http://schemas.openxmlformats.org/drawingml/2006/table">
+            <a:tbl>
+              <a:tblPr firstRow="1" bandRow="1">
+                <a:tableStyleId>{F5AB1C69-6EDB-4FF4-983F-18BD219EF322}</a:tableStyleId>
+              </a:tblPr>
+              <a:tblGrid>
+                <a:gridCol w="3402419">
+                  <a:extLst>
+                    <a:ext uri="{9D8B030D-6E8A-4147-A177-3AD203B41FA5}">
+                      <a16:colId xmlns:a16="http://schemas.microsoft.com/office/drawing/2014/main" val="2993506365"/>
+                    </a:ext>
+                  </a:extLst>
+                </a:gridCol>
+                <a:gridCol w="1935125">
+                  <a:extLst>
+                    <a:ext uri="{9D8B030D-6E8A-4147-A177-3AD203B41FA5}">
+                      <a16:colId xmlns:a16="http://schemas.microsoft.com/office/drawing/2014/main" val="1503905983"/>
+                    </a:ext>
+                  </a:extLst>
+                </a:gridCol>
+                <a:gridCol w="1892596">
+                  <a:extLst>
+                    <a:ext uri="{9D8B030D-6E8A-4147-A177-3AD203B41FA5}">
+                      <a16:colId xmlns:a16="http://schemas.microsoft.com/office/drawing/2014/main" val="2886260100"/>
+                    </a:ext>
+                  </a:extLst>
+                </a:gridCol>
+                <a:gridCol w="1871330">
+                  <a:extLst>
+                    <a:ext uri="{9D8B030D-6E8A-4147-A177-3AD203B41FA5}">
+                      <a16:colId xmlns:a16="http://schemas.microsoft.com/office/drawing/2014/main" val="1210699008"/>
+                    </a:ext>
+                  </a:extLst>
+                </a:gridCol>
+                <a:gridCol w="2020186">
+                  <a:extLst>
+                    <a:ext uri="{9D8B030D-6E8A-4147-A177-3AD203B41FA5}">
+                      <a16:colId xmlns:a16="http://schemas.microsoft.com/office/drawing/2014/main" val="207604226"/>
+                    </a:ext>
+                  </a:extLst>
+                </a:gridCol>
+              </a:tblGrid>
+              <a:tr h="1632256">
+                <a:tc>
+                  <a:txBody>
+                    <a:bodyPr/>
+                    <a:lstStyle/>
+                    <a:p>
+                      <a:pPr algn="ctr"/>
+                      <a:endParaRPr kumimoji="1" lang="en-US" altLang="ja-JP" sz="2800" dirty="0"/>
+                    </a:p>
+                    <a:p>
+                      <a:pPr algn="ctr"/>
+                      <a:r>
+                        <a:rPr kumimoji="1" lang="en-US" altLang="ja-JP" sz="4400" dirty="0"/>
+                        <a:t>Blocks</a:t>
+                      </a:r>
+                    </a:p>
+                  </a:txBody>
+                  <a:tcPr/>
+                </a:tc>
+                <a:tc>
+                  <a:txBody>
+                    <a:bodyPr/>
+                    <a:lstStyle/>
+                    <a:p>
+                      <a:pPr algn="ctr">
+                        <a:lnSpc>
+                          <a:spcPct val="100000"/>
+                        </a:lnSpc>
+                      </a:pPr>
+                      <a:endParaRPr kumimoji="1" lang="en-US" altLang="ja-JP" sz="2800" dirty="0"/>
+                    </a:p>
+                    <a:p>
+                      <a:pPr algn="ctr">
+                        <a:lnSpc>
+                          <a:spcPct val="100000"/>
+                        </a:lnSpc>
+                      </a:pPr>
+                      <a:r>
+                        <a:rPr kumimoji="1" lang="en-US" altLang="ja-JP" sz="4400" dirty="0"/>
+                        <a:t>0</a:t>
+                      </a:r>
+                      <a:endParaRPr kumimoji="1" lang="ja-JP" altLang="en-US" sz="4400"/>
+                    </a:p>
+                  </a:txBody>
+                  <a:tcPr/>
+                </a:tc>
+                <a:tc>
+                  <a:txBody>
+                    <a:bodyPr/>
+                    <a:lstStyle/>
+                    <a:p>
+                      <a:pPr algn="ctr">
+                        <a:lnSpc>
+                          <a:spcPct val="100000"/>
+                        </a:lnSpc>
+                      </a:pPr>
+                      <a:endParaRPr kumimoji="1" lang="en-US" altLang="ja-JP" sz="2800" dirty="0"/>
+                    </a:p>
+                    <a:p>
+                      <a:pPr algn="ctr">
+                        <a:lnSpc>
+                          <a:spcPct val="100000"/>
+                        </a:lnSpc>
+                      </a:pPr>
+                      <a:r>
+                        <a:rPr kumimoji="1" lang="en-US" altLang="ja-JP" sz="4400" dirty="0"/>
+                        <a:t>1</a:t>
+                      </a:r>
+                      <a:endParaRPr kumimoji="1" lang="ja-JP" altLang="en-US" sz="4400"/>
+                    </a:p>
+                  </a:txBody>
+                  <a:tcPr/>
+                </a:tc>
+                <a:tc>
+                  <a:txBody>
+                    <a:bodyPr/>
+                    <a:lstStyle/>
+                    <a:p>
+                      <a:pPr algn="ctr">
+                        <a:lnSpc>
+                          <a:spcPct val="100000"/>
+                        </a:lnSpc>
+                      </a:pPr>
+                      <a:endParaRPr kumimoji="1" lang="en-US" altLang="ja-JP" sz="2800" dirty="0"/>
+                    </a:p>
+                    <a:p>
+                      <a:pPr algn="ctr">
+                        <a:lnSpc>
+                          <a:spcPct val="100000"/>
+                        </a:lnSpc>
+                      </a:pPr>
+                      <a:r>
+                        <a:rPr kumimoji="1" lang="en-US" altLang="ja-JP" sz="4400" dirty="0"/>
+                        <a:t>2</a:t>
+                      </a:r>
+                      <a:endParaRPr kumimoji="1" lang="ja-JP" altLang="en-US" sz="4400"/>
+                    </a:p>
+                  </a:txBody>
+                  <a:tcPr/>
+                </a:tc>
+                <a:tc>
+                  <a:txBody>
+                    <a:bodyPr/>
+                    <a:lstStyle/>
+                    <a:p>
+                      <a:pPr algn="ctr">
+                        <a:lnSpc>
+                          <a:spcPct val="100000"/>
+                        </a:lnSpc>
+                      </a:pPr>
+                      <a:endParaRPr kumimoji="1" lang="en-US" altLang="ja-JP" sz="2800" dirty="0"/>
+                    </a:p>
+                    <a:p>
+                      <a:pPr algn="ctr">
+                        <a:lnSpc>
+                          <a:spcPct val="100000"/>
+                        </a:lnSpc>
+                      </a:pPr>
+                      <a:r>
+                        <a:rPr kumimoji="1" lang="en-US" altLang="ja-JP" sz="4400" dirty="0"/>
+                        <a:t>3</a:t>
+                      </a:r>
+                      <a:endParaRPr kumimoji="1" lang="ja-JP" altLang="en-US" sz="4400"/>
+                    </a:p>
+                  </a:txBody>
+                  <a:tcPr/>
+                </a:tc>
+                <a:extLst>
+                  <a:ext uri="{0D108BD9-81ED-4DB2-BD59-A6C34878D82A}">
+                    <a16:rowId xmlns:a16="http://schemas.microsoft.com/office/drawing/2014/main" val="2345526508"/>
+                  </a:ext>
+                </a:extLst>
+              </a:tr>
+              <a:tr h="1765005">
+                <a:tc>
+                  <a:txBody>
+                    <a:bodyPr/>
+                    <a:lstStyle/>
+                    <a:p>
+                      <a:pPr algn="ctr">
+                        <a:lnSpc>
+                          <a:spcPct val="150000"/>
+                        </a:lnSpc>
+                      </a:pPr>
+                      <a:r>
+                        <a:rPr kumimoji="1" lang="en-US" altLang="ja-JP" sz="4400" dirty="0"/>
+                        <a:t>3mm</a:t>
+                      </a:r>
+                    </a:p>
+                  </a:txBody>
+                  <a:tcPr/>
+                </a:tc>
+                <a:tc>
+                  <a:txBody>
+                    <a:bodyPr/>
+                    <a:lstStyle/>
+                    <a:p>
+                      <a:pPr algn="ctr"/>
+                      <a:endParaRPr kumimoji="1" lang="ja-JP" altLang="en-US" sz="3200"/>
+                    </a:p>
+                  </a:txBody>
+                  <a:tcPr/>
+                </a:tc>
+                <a:tc>
+                  <a:txBody>
+                    <a:bodyPr/>
+                    <a:lstStyle/>
+                    <a:p>
+                      <a:pPr algn="ctr"/>
+                      <a:endParaRPr kumimoji="1" lang="ja-JP" altLang="en-US" sz="3200"/>
+                    </a:p>
+                  </a:txBody>
+                  <a:tcPr/>
+                </a:tc>
+                <a:tc>
+                  <a:txBody>
+                    <a:bodyPr/>
+                    <a:lstStyle/>
+                    <a:p>
+                      <a:pPr algn="ctr"/>
+                      <a:endParaRPr kumimoji="1" lang="ja-JP" altLang="en-US" sz="3200"/>
+                    </a:p>
+                  </a:txBody>
+                  <a:tcPr/>
+                </a:tc>
+                <a:tc>
+                  <a:txBody>
+                    <a:bodyPr/>
+                    <a:lstStyle/>
+                    <a:p>
+                      <a:pPr algn="ctr"/>
+                      <a:endParaRPr kumimoji="1" lang="ja-JP" altLang="en-US" sz="3200"/>
+                    </a:p>
+                  </a:txBody>
+                  <a:tcPr/>
+                </a:tc>
+                <a:extLst>
+                  <a:ext uri="{0D108BD9-81ED-4DB2-BD59-A6C34878D82A}">
+                    <a16:rowId xmlns:a16="http://schemas.microsoft.com/office/drawing/2014/main" val="244643605"/>
+                  </a:ext>
+                </a:extLst>
+              </a:tr>
+              <a:tr h="1679944">
+                <a:tc>
+                  <a:txBody>
+                    <a:bodyPr/>
+                    <a:lstStyle/>
+                    <a:p>
+                      <a:pPr algn="ctr">
+                        <a:lnSpc>
+                          <a:spcPct val="150000"/>
+                        </a:lnSpc>
+                      </a:pPr>
+                      <a:r>
+                        <a:rPr kumimoji="1" lang="en-US" altLang="ja-JP" sz="4400" dirty="0"/>
+                        <a:t>4.8mm</a:t>
+                      </a:r>
+                      <a:endParaRPr kumimoji="1" lang="ja-JP" altLang="en-US" sz="4400"/>
+                    </a:p>
+                  </a:txBody>
+                  <a:tcPr/>
+                </a:tc>
+                <a:tc>
+                  <a:txBody>
+                    <a:bodyPr/>
+                    <a:lstStyle/>
+                    <a:p>
+                      <a:pPr algn="ctr"/>
+                      <a:endParaRPr kumimoji="1" lang="ja-JP" altLang="en-US" sz="3200"/>
+                    </a:p>
+                  </a:txBody>
+                  <a:tcPr/>
+                </a:tc>
+                <a:tc>
+                  <a:txBody>
+                    <a:bodyPr/>
+                    <a:lstStyle/>
+                    <a:p>
+                      <a:pPr algn="ctr"/>
+                      <a:endParaRPr kumimoji="1" lang="ja-JP" altLang="en-US" sz="3200"/>
+                    </a:p>
+                  </a:txBody>
+                  <a:tcPr/>
+                </a:tc>
+                <a:tc>
+                  <a:txBody>
+                    <a:bodyPr/>
+                    <a:lstStyle/>
+                    <a:p>
+                      <a:pPr algn="ctr"/>
+                      <a:endParaRPr kumimoji="1" lang="ja-JP" altLang="en-US" sz="3200"/>
+                    </a:p>
+                  </a:txBody>
+                  <a:tcPr/>
+                </a:tc>
+                <a:tc>
+                  <a:txBody>
+                    <a:bodyPr/>
+                    <a:lstStyle/>
+                    <a:p>
+                      <a:pPr algn="ctr"/>
+                      <a:endParaRPr kumimoji="1" lang="ja-JP" altLang="en-US" sz="3200"/>
+                    </a:p>
+                  </a:txBody>
+                  <a:tcPr/>
+                </a:tc>
+                <a:extLst>
+                  <a:ext uri="{0D108BD9-81ED-4DB2-BD59-A6C34878D82A}">
+                    <a16:rowId xmlns:a16="http://schemas.microsoft.com/office/drawing/2014/main" val="2917124714"/>
+                  </a:ext>
+                </a:extLst>
+              </a:tr>
+              <a:tr h="3423683">
+                <a:tc>
+                  <a:txBody>
+                    <a:bodyPr/>
+                    <a:lstStyle/>
+                    <a:p>
+                      <a:pPr algn="ctr">
+                        <a:lnSpc>
+                          <a:spcPct val="150000"/>
+                        </a:lnSpc>
+                      </a:pPr>
+                      <a:endParaRPr kumimoji="1" lang="en-US" altLang="ja-JP" sz="3200" dirty="0"/>
+                    </a:p>
+                    <a:p>
+                      <a:pPr algn="ctr">
+                        <a:lnSpc>
+                          <a:spcPct val="150000"/>
+                        </a:lnSpc>
+                      </a:pPr>
+                      <a:r>
+                        <a:rPr kumimoji="1" lang="en-US" altLang="ja-JP" sz="3200" dirty="0"/>
+                        <a:t>2x2LEGO</a:t>
+                      </a:r>
+                    </a:p>
+                    <a:p>
+                      <a:pPr algn="ctr">
+                        <a:lnSpc>
+                          <a:spcPct val="150000"/>
+                        </a:lnSpc>
+                      </a:pPr>
+                      <a:r>
+                        <a:rPr kumimoji="1" lang="en-US" altLang="ja-JP" sz="3200" dirty="0" err="1"/>
+                        <a:t>ClassicBlock</a:t>
+                      </a:r>
+                      <a:endParaRPr kumimoji="1" lang="ja-JP" altLang="en-US" sz="3200"/>
+                    </a:p>
+                  </a:txBody>
+                  <a:tcPr/>
+                </a:tc>
+                <a:tc>
+                  <a:txBody>
+                    <a:bodyPr/>
+                    <a:lstStyle/>
+                    <a:p>
+                      <a:pPr algn="ctr"/>
+                      <a:endParaRPr kumimoji="1" lang="ja-JP" altLang="en-US" sz="3200"/>
+                    </a:p>
+                  </a:txBody>
+                  <a:tcPr/>
+                </a:tc>
+                <a:tc>
+                  <a:txBody>
+                    <a:bodyPr/>
+                    <a:lstStyle/>
+                    <a:p>
+                      <a:pPr algn="ctr"/>
+                      <a:endParaRPr kumimoji="1" lang="ja-JP" altLang="en-US" sz="3200"/>
+                    </a:p>
+                  </a:txBody>
+                  <a:tcPr/>
+                </a:tc>
+                <a:tc>
+                  <a:txBody>
+                    <a:bodyPr/>
+                    <a:lstStyle/>
+                    <a:p>
+                      <a:pPr algn="ctr"/>
+                      <a:endParaRPr kumimoji="1" lang="ja-JP" altLang="en-US" sz="3200"/>
+                    </a:p>
+                  </a:txBody>
+                  <a:tcPr/>
+                </a:tc>
+                <a:tc>
+                  <a:txBody>
+                    <a:bodyPr/>
+                    <a:lstStyle/>
+                    <a:p>
+                      <a:pPr algn="ctr"/>
+                      <a:endParaRPr kumimoji="1" lang="ja-JP" altLang="en-US" sz="3200"/>
+                    </a:p>
+                  </a:txBody>
+                  <a:tcPr/>
+                </a:tc>
+                <a:extLst>
+                  <a:ext uri="{0D108BD9-81ED-4DB2-BD59-A6C34878D82A}">
+                    <a16:rowId xmlns:a16="http://schemas.microsoft.com/office/drawing/2014/main" val="819134147"/>
+                  </a:ext>
+                </a:extLst>
+              </a:tr>
+              <a:tr h="3402419">
+                <a:tc>
+                  <a:txBody>
+                    <a:bodyPr/>
+                    <a:lstStyle/>
+                    <a:p>
+                      <a:pPr algn="ctr">
+                        <a:lnSpc>
+                          <a:spcPct val="150000"/>
+                        </a:lnSpc>
+                      </a:pPr>
+                      <a:endParaRPr kumimoji="1" lang="en-US" altLang="ja-JP" sz="1800" dirty="0"/>
+                    </a:p>
+                    <a:p>
+                      <a:pPr algn="ctr">
+                        <a:lnSpc>
+                          <a:spcPct val="150000"/>
+                        </a:lnSpc>
+                      </a:pPr>
+                      <a:r>
+                        <a:rPr kumimoji="1" lang="en-US" altLang="ja-JP" sz="3200" dirty="0"/>
+                        <a:t>2x2LEGO</a:t>
+                      </a:r>
+                    </a:p>
+                    <a:p>
+                      <a:pPr algn="ctr">
+                        <a:lnSpc>
+                          <a:spcPct val="150000"/>
+                        </a:lnSpc>
+                      </a:pPr>
+                      <a:r>
+                        <a:rPr kumimoji="1" lang="en-US" altLang="ja-JP" sz="3200" dirty="0" err="1"/>
+                        <a:t>CircleHole</a:t>
+                      </a:r>
+                      <a:endParaRPr kumimoji="1" lang="en-US" altLang="ja-JP" sz="3200" dirty="0"/>
+                    </a:p>
+                    <a:p>
+                      <a:pPr algn="ctr">
+                        <a:lnSpc>
+                          <a:spcPct val="150000"/>
+                        </a:lnSpc>
+                      </a:pPr>
+                      <a:r>
+                        <a:rPr kumimoji="1" lang="en-US" altLang="ja-JP" sz="3200" dirty="0" err="1"/>
+                        <a:t>ClassicBlock</a:t>
+                      </a:r>
+                      <a:endParaRPr kumimoji="1" lang="en-US" altLang="ja-JP" sz="3200" dirty="0"/>
+                    </a:p>
+                  </a:txBody>
+                  <a:tcPr/>
+                </a:tc>
+                <a:tc>
+                  <a:txBody>
+                    <a:bodyPr/>
+                    <a:lstStyle/>
+                    <a:p>
+                      <a:pPr algn="ctr"/>
+                      <a:endParaRPr kumimoji="1" lang="ja-JP" altLang="en-US" sz="3200"/>
+                    </a:p>
+                  </a:txBody>
+                  <a:tcPr/>
+                </a:tc>
+                <a:tc>
+                  <a:txBody>
+                    <a:bodyPr/>
+                    <a:lstStyle/>
+                    <a:p>
+                      <a:pPr algn="ctr"/>
+                      <a:endParaRPr kumimoji="1" lang="ja-JP" altLang="en-US" sz="3200"/>
+                    </a:p>
+                  </a:txBody>
+                  <a:tcPr/>
+                </a:tc>
+                <a:tc>
+                  <a:txBody>
+                    <a:bodyPr/>
+                    <a:lstStyle/>
+                    <a:p>
+                      <a:pPr algn="ctr"/>
+                      <a:endParaRPr kumimoji="1" lang="ja-JP" altLang="en-US" sz="3200"/>
+                    </a:p>
+                  </a:txBody>
+                  <a:tcPr/>
+                </a:tc>
+                <a:tc>
+                  <a:txBody>
+                    <a:bodyPr/>
+                    <a:lstStyle/>
+                    <a:p>
+                      <a:pPr algn="ctr"/>
+                      <a:endParaRPr kumimoji="1" lang="ja-JP" altLang="en-US" sz="3200"/>
+                    </a:p>
+                  </a:txBody>
+                  <a:tcPr/>
+                </a:tc>
+                <a:extLst>
+                  <a:ext uri="{0D108BD9-81ED-4DB2-BD59-A6C34878D82A}">
+                    <a16:rowId xmlns:a16="http://schemas.microsoft.com/office/drawing/2014/main" val="2092289743"/>
+                  </a:ext>
+                </a:extLst>
+              </a:tr>
+              <a:tr h="3466214">
+                <a:tc>
+                  <a:txBody>
+                    <a:bodyPr/>
+                    <a:lstStyle/>
+                    <a:p>
+                      <a:pPr algn="ctr">
+                        <a:lnSpc>
+                          <a:spcPct val="150000"/>
+                        </a:lnSpc>
+                      </a:pPr>
+                      <a:endParaRPr kumimoji="1" lang="en-US" altLang="ja-JP" sz="3200" dirty="0"/>
+                    </a:p>
+                    <a:p>
+                      <a:pPr algn="ctr">
+                        <a:lnSpc>
+                          <a:spcPct val="150000"/>
+                        </a:lnSpc>
+                      </a:pPr>
+                      <a:r>
+                        <a:rPr kumimoji="1" lang="en-US" altLang="ja-JP" sz="3200" dirty="0"/>
+                        <a:t>1x1LEGO</a:t>
+                      </a:r>
+                    </a:p>
+                    <a:p>
+                      <a:pPr algn="ctr">
+                        <a:lnSpc>
+                          <a:spcPct val="150000"/>
+                        </a:lnSpc>
+                      </a:pPr>
+                      <a:r>
+                        <a:rPr kumimoji="1" lang="en-US" altLang="ja-JP" sz="3200" dirty="0" err="1"/>
+                        <a:t>ClassicBlock</a:t>
+                      </a:r>
+                      <a:endParaRPr kumimoji="1" lang="ja-JP" altLang="en-US" sz="3200"/>
+                    </a:p>
+                  </a:txBody>
+                  <a:tcPr/>
+                </a:tc>
+                <a:tc>
+                  <a:txBody>
+                    <a:bodyPr/>
+                    <a:lstStyle/>
+                    <a:p>
+                      <a:pPr algn="ctr"/>
+                      <a:endParaRPr kumimoji="1" lang="ja-JP" altLang="en-US" sz="3200"/>
+                    </a:p>
+                  </a:txBody>
+                  <a:tcPr/>
+                </a:tc>
+                <a:tc>
+                  <a:txBody>
+                    <a:bodyPr/>
+                    <a:lstStyle/>
+                    <a:p>
+                      <a:pPr algn="ctr"/>
+                      <a:endParaRPr kumimoji="1" lang="ja-JP" altLang="en-US" sz="3200"/>
+                    </a:p>
+                  </a:txBody>
+                  <a:tcPr/>
+                </a:tc>
+                <a:tc>
+                  <a:txBody>
+                    <a:bodyPr/>
+                    <a:lstStyle/>
+                    <a:p>
+                      <a:pPr algn="ctr"/>
+                      <a:endParaRPr kumimoji="1" lang="ja-JP" altLang="en-US" sz="3200"/>
+                    </a:p>
+                  </a:txBody>
+                  <a:tcPr/>
+                </a:tc>
+                <a:tc>
+                  <a:txBody>
+                    <a:bodyPr/>
+                    <a:lstStyle/>
+                    <a:p>
+                      <a:pPr algn="ctr"/>
+                      <a:endParaRPr kumimoji="1" lang="ja-JP" altLang="en-US" sz="3200"/>
+                    </a:p>
+                  </a:txBody>
+                  <a:tcPr/>
+                </a:tc>
+                <a:extLst>
+                  <a:ext uri="{0D108BD9-81ED-4DB2-BD59-A6C34878D82A}">
+                    <a16:rowId xmlns:a16="http://schemas.microsoft.com/office/drawing/2014/main" val="3114215665"/>
+                  </a:ext>
+                </a:extLst>
+              </a:tr>
+            </a:tbl>
+          </a:graphicData>
+        </a:graphic>
+      </p:graphicFrame>
+      <p:pic>
+        <p:nvPicPr>
+          <p:cNvPr id="5" name="図 4">
+            <a:extLst>
+              <a:ext uri="{FF2B5EF4-FFF2-40B4-BE49-F238E27FC236}">
+                <a16:creationId xmlns:a16="http://schemas.microsoft.com/office/drawing/2014/main" id="{C9F9F9DA-4CE9-EEF3-4055-3196635558B5}"/>
+              </a:ext>
+            </a:extLst>
+          </p:cNvPr>
+          <p:cNvPicPr>
+            <a:picLocks noChangeAspect="1"/>
+          </p:cNvPicPr>
+          <p:nvPr/>
+        </p:nvPicPr>
+        <p:blipFill>
+          <a:blip r:embed="rId2"/>
+          <a:stretch>
+            <a:fillRect/>
+          </a:stretch>
+        </p:blipFill>
+        <p:spPr>
+          <a:xfrm>
+            <a:off x="3710086" y="683911"/>
+            <a:ext cx="1645179" cy="1516650"/>
+          </a:xfrm>
+          <a:prstGeom prst="rect">
+            <a:avLst/>
+          </a:prstGeom>
+        </p:spPr>
+      </p:pic>
+      <p:pic>
+        <p:nvPicPr>
+          <p:cNvPr id="6" name="図 5">
+            <a:extLst>
+              <a:ext uri="{FF2B5EF4-FFF2-40B4-BE49-F238E27FC236}">
+                <a16:creationId xmlns:a16="http://schemas.microsoft.com/office/drawing/2014/main" id="{4FAC3CD4-0B12-6F41-B36E-E56BA0839DAE}"/>
+              </a:ext>
+            </a:extLst>
+          </p:cNvPr>
+          <p:cNvPicPr>
+            <a:picLocks noChangeAspect="1"/>
+          </p:cNvPicPr>
+          <p:nvPr/>
+        </p:nvPicPr>
+        <p:blipFill>
+          <a:blip r:embed="rId3"/>
+          <a:stretch>
+            <a:fillRect/>
+          </a:stretch>
+        </p:blipFill>
+        <p:spPr>
+          <a:xfrm>
+            <a:off x="5577746" y="659431"/>
+            <a:ext cx="1645179" cy="1516649"/>
+          </a:xfrm>
+          <a:prstGeom prst="rect">
+            <a:avLst/>
+          </a:prstGeom>
+        </p:spPr>
+      </p:pic>
+      <p:pic>
+        <p:nvPicPr>
+          <p:cNvPr id="7" name="図 6">
+            <a:extLst>
+              <a:ext uri="{FF2B5EF4-FFF2-40B4-BE49-F238E27FC236}">
+                <a16:creationId xmlns:a16="http://schemas.microsoft.com/office/drawing/2014/main" id="{F5F841D6-0B06-3293-DF57-6A18764BBDD9}"/>
+              </a:ext>
+            </a:extLst>
+          </p:cNvPr>
+          <p:cNvPicPr>
+            <a:picLocks noChangeAspect="1"/>
+          </p:cNvPicPr>
+          <p:nvPr/>
+        </p:nvPicPr>
+        <p:blipFill>
+          <a:blip r:embed="rId4"/>
+          <a:stretch>
+            <a:fillRect/>
+          </a:stretch>
+        </p:blipFill>
+        <p:spPr>
+          <a:xfrm>
+            <a:off x="7445406" y="683911"/>
+            <a:ext cx="1645179" cy="1516649"/>
+          </a:xfrm>
+          <a:prstGeom prst="rect">
+            <a:avLst/>
+          </a:prstGeom>
+        </p:spPr>
+      </p:pic>
+      <p:sp>
+        <p:nvSpPr>
+          <p:cNvPr id="8" name="テキスト ボックス 7">
+            <a:extLst>
+              <a:ext uri="{FF2B5EF4-FFF2-40B4-BE49-F238E27FC236}">
+                <a16:creationId xmlns:a16="http://schemas.microsoft.com/office/drawing/2014/main" id="{26838AEF-E412-22F0-CB2D-C8D87D6D279D}"/>
+              </a:ext>
+            </a:extLst>
+          </p:cNvPr>
+          <p:cNvSpPr txBox="1"/>
+          <p:nvPr/>
+        </p:nvSpPr>
+        <p:spPr>
+          <a:xfrm>
+            <a:off x="1786269" y="1063812"/>
+            <a:ext cx="1441420" cy="707886"/>
+          </a:xfrm>
+          <a:prstGeom prst="rect">
+            <a:avLst/>
+          </a:prstGeom>
+          <a:noFill/>
+        </p:spPr>
+        <p:txBody>
+          <a:bodyPr wrap="none" rtlCol="0">
+            <a:spAutoFit/>
+          </a:bodyPr>
+          <a:lstStyle/>
+          <a:p>
+            <a:r>
+              <a:rPr kumimoji="1" lang="en-US" altLang="ja-JP" sz="4000" dirty="0"/>
+              <a:t>None</a:t>
+            </a:r>
+            <a:endParaRPr kumimoji="1" lang="ja-JP" altLang="en-US" sz="4000"/>
+          </a:p>
+        </p:txBody>
+      </p:sp>
+      <p:sp>
+        <p:nvSpPr>
+          <p:cNvPr id="9" name="テキスト ボックス 8">
+            <a:extLst>
+              <a:ext uri="{FF2B5EF4-FFF2-40B4-BE49-F238E27FC236}">
+                <a16:creationId xmlns:a16="http://schemas.microsoft.com/office/drawing/2014/main" id="{CF4C8494-3B49-A96D-ABE0-AC32890FDB0B}"/>
+              </a:ext>
+            </a:extLst>
+          </p:cNvPr>
+          <p:cNvSpPr txBox="1"/>
+          <p:nvPr/>
+        </p:nvSpPr>
+        <p:spPr>
+          <a:xfrm>
+            <a:off x="1786269" y="2721114"/>
+            <a:ext cx="1441420" cy="707886"/>
+          </a:xfrm>
+          <a:prstGeom prst="rect">
+            <a:avLst/>
+          </a:prstGeom>
+          <a:noFill/>
+        </p:spPr>
+        <p:txBody>
+          <a:bodyPr wrap="none" rtlCol="0">
+            <a:spAutoFit/>
+          </a:bodyPr>
+          <a:lstStyle/>
+          <a:p>
+            <a:r>
+              <a:rPr kumimoji="1" lang="en-US" altLang="ja-JP" sz="4000" dirty="0"/>
+              <a:t>None</a:t>
+            </a:r>
+            <a:endParaRPr kumimoji="1" lang="ja-JP" altLang="en-US" sz="4000"/>
+          </a:p>
+        </p:txBody>
+      </p:sp>
+      <p:sp>
+        <p:nvSpPr>
+          <p:cNvPr id="10" name="テキスト ボックス 9">
+            <a:extLst>
+              <a:ext uri="{FF2B5EF4-FFF2-40B4-BE49-F238E27FC236}">
+                <a16:creationId xmlns:a16="http://schemas.microsoft.com/office/drawing/2014/main" id="{E90AD6CA-51C7-3371-832B-0AB57F052424}"/>
+              </a:ext>
+            </a:extLst>
+          </p:cNvPr>
+          <p:cNvSpPr txBox="1"/>
+          <p:nvPr/>
+        </p:nvSpPr>
+        <p:spPr>
+          <a:xfrm>
+            <a:off x="1786269" y="5226284"/>
+            <a:ext cx="1441420" cy="707886"/>
+          </a:xfrm>
+          <a:prstGeom prst="rect">
+            <a:avLst/>
+          </a:prstGeom>
+          <a:noFill/>
+        </p:spPr>
+        <p:txBody>
+          <a:bodyPr wrap="none" rtlCol="0">
+            <a:spAutoFit/>
+          </a:bodyPr>
+          <a:lstStyle/>
+          <a:p>
+            <a:r>
+              <a:rPr kumimoji="1" lang="en-US" altLang="ja-JP" sz="4000" dirty="0"/>
+              <a:t>None</a:t>
+            </a:r>
+            <a:endParaRPr kumimoji="1" lang="ja-JP" altLang="en-US" sz="4000"/>
+          </a:p>
+        </p:txBody>
+      </p:sp>
+      <p:sp>
+        <p:nvSpPr>
+          <p:cNvPr id="11" name="テキスト ボックス 10">
+            <a:extLst>
+              <a:ext uri="{FF2B5EF4-FFF2-40B4-BE49-F238E27FC236}">
+                <a16:creationId xmlns:a16="http://schemas.microsoft.com/office/drawing/2014/main" id="{CE7F5139-8B67-81D4-A89B-87F4107EE6C4}"/>
+              </a:ext>
+            </a:extLst>
+          </p:cNvPr>
+          <p:cNvSpPr txBox="1"/>
+          <p:nvPr/>
+        </p:nvSpPr>
+        <p:spPr>
+          <a:xfrm>
+            <a:off x="1786269" y="8707232"/>
+            <a:ext cx="1441420" cy="707886"/>
+          </a:xfrm>
+          <a:prstGeom prst="rect">
+            <a:avLst/>
+          </a:prstGeom>
+          <a:noFill/>
+        </p:spPr>
+        <p:txBody>
+          <a:bodyPr wrap="none" rtlCol="0">
+            <a:spAutoFit/>
+          </a:bodyPr>
+          <a:lstStyle/>
+          <a:p>
+            <a:r>
+              <a:rPr kumimoji="1" lang="en-US" altLang="ja-JP" sz="4000" dirty="0"/>
+              <a:t>None</a:t>
+            </a:r>
+            <a:endParaRPr kumimoji="1" lang="ja-JP" altLang="en-US" sz="4000"/>
+          </a:p>
+        </p:txBody>
+      </p:sp>
+      <p:sp>
+        <p:nvSpPr>
+          <p:cNvPr id="12" name="テキスト ボックス 11">
+            <a:extLst>
+              <a:ext uri="{FF2B5EF4-FFF2-40B4-BE49-F238E27FC236}">
+                <a16:creationId xmlns:a16="http://schemas.microsoft.com/office/drawing/2014/main" id="{B2E3451D-F473-0194-728D-335BA8A670AB}"/>
+              </a:ext>
+            </a:extLst>
+          </p:cNvPr>
+          <p:cNvSpPr txBox="1"/>
+          <p:nvPr/>
+        </p:nvSpPr>
+        <p:spPr>
+          <a:xfrm>
+            <a:off x="1786269" y="12154425"/>
+            <a:ext cx="1441420" cy="707886"/>
+          </a:xfrm>
+          <a:prstGeom prst="rect">
+            <a:avLst/>
+          </a:prstGeom>
+          <a:noFill/>
+        </p:spPr>
+        <p:txBody>
+          <a:bodyPr wrap="none" rtlCol="0">
+            <a:spAutoFit/>
+          </a:bodyPr>
+          <a:lstStyle/>
+          <a:p>
+            <a:r>
+              <a:rPr kumimoji="1" lang="en-US" altLang="ja-JP" sz="4000" dirty="0"/>
+              <a:t>None</a:t>
+            </a:r>
+            <a:endParaRPr kumimoji="1" lang="ja-JP" altLang="en-US" sz="4000"/>
+          </a:p>
+        </p:txBody>
+      </p:sp>
+      <p:pic>
+        <p:nvPicPr>
+          <p:cNvPr id="13" name="図 12">
+            <a:extLst>
+              <a:ext uri="{FF2B5EF4-FFF2-40B4-BE49-F238E27FC236}">
+                <a16:creationId xmlns:a16="http://schemas.microsoft.com/office/drawing/2014/main" id="{B8CE6F31-C8E2-F479-0164-E4AE29627DB5}"/>
+              </a:ext>
+            </a:extLst>
+          </p:cNvPr>
+          <p:cNvPicPr>
+            <a:picLocks noChangeAspect="1"/>
+          </p:cNvPicPr>
+          <p:nvPr/>
+        </p:nvPicPr>
+        <p:blipFill>
+          <a:blip r:embed="rId5"/>
+          <a:stretch>
+            <a:fillRect/>
+          </a:stretch>
+        </p:blipFill>
+        <p:spPr>
+          <a:xfrm>
+            <a:off x="3700132" y="2373744"/>
+            <a:ext cx="1645180" cy="1516650"/>
+          </a:xfrm>
+          <a:prstGeom prst="rect">
+            <a:avLst/>
+          </a:prstGeom>
+        </p:spPr>
+      </p:pic>
+      <p:pic>
+        <p:nvPicPr>
+          <p:cNvPr id="14" name="図 13">
+            <a:extLst>
+              <a:ext uri="{FF2B5EF4-FFF2-40B4-BE49-F238E27FC236}">
+                <a16:creationId xmlns:a16="http://schemas.microsoft.com/office/drawing/2014/main" id="{334973B1-C7B2-1378-4A8E-6148C9665897}"/>
+              </a:ext>
+            </a:extLst>
+          </p:cNvPr>
+          <p:cNvPicPr>
+            <a:picLocks noChangeAspect="1"/>
+          </p:cNvPicPr>
+          <p:nvPr/>
+        </p:nvPicPr>
+        <p:blipFill>
+          <a:blip r:embed="rId6"/>
+          <a:stretch>
+            <a:fillRect/>
+          </a:stretch>
+        </p:blipFill>
+        <p:spPr>
+          <a:xfrm>
+            <a:off x="5577746" y="2373744"/>
+            <a:ext cx="1645179" cy="1516649"/>
+          </a:xfrm>
+          <a:prstGeom prst="rect">
+            <a:avLst/>
+          </a:prstGeom>
+        </p:spPr>
+      </p:pic>
+      <p:pic>
+        <p:nvPicPr>
+          <p:cNvPr id="15" name="図 14">
+            <a:extLst>
+              <a:ext uri="{FF2B5EF4-FFF2-40B4-BE49-F238E27FC236}">
+                <a16:creationId xmlns:a16="http://schemas.microsoft.com/office/drawing/2014/main" id="{3F76A342-63F7-D81B-7C2D-F05248E16449}"/>
+              </a:ext>
+            </a:extLst>
+          </p:cNvPr>
+          <p:cNvPicPr>
+            <a:picLocks noChangeAspect="1"/>
+          </p:cNvPicPr>
+          <p:nvPr/>
+        </p:nvPicPr>
+        <p:blipFill>
+          <a:blip r:embed="rId7"/>
+          <a:stretch>
+            <a:fillRect/>
+          </a:stretch>
+        </p:blipFill>
+        <p:spPr>
+          <a:xfrm>
+            <a:off x="7420759" y="2373744"/>
+            <a:ext cx="1645179" cy="1516649"/>
+          </a:xfrm>
+          <a:prstGeom prst="rect">
+            <a:avLst/>
+          </a:prstGeom>
+        </p:spPr>
+      </p:pic>
+      <p:pic>
+        <p:nvPicPr>
+          <p:cNvPr id="16" name="図 15">
+            <a:extLst>
+              <a:ext uri="{FF2B5EF4-FFF2-40B4-BE49-F238E27FC236}">
+                <a16:creationId xmlns:a16="http://schemas.microsoft.com/office/drawing/2014/main" id="{00BB73D5-33DD-E45E-DB20-8939121295EA}"/>
+              </a:ext>
+            </a:extLst>
+          </p:cNvPr>
+          <p:cNvPicPr>
+            <a:picLocks noChangeAspect="1"/>
+          </p:cNvPicPr>
+          <p:nvPr/>
+        </p:nvPicPr>
+        <p:blipFill>
+          <a:blip r:embed="rId8"/>
+          <a:stretch>
+            <a:fillRect/>
+          </a:stretch>
+        </p:blipFill>
+        <p:spPr>
+          <a:xfrm>
+            <a:off x="3618421" y="4093941"/>
+            <a:ext cx="1796033" cy="1516650"/>
+          </a:xfrm>
+          <a:prstGeom prst="rect">
+            <a:avLst/>
+          </a:prstGeom>
+        </p:spPr>
+      </p:pic>
+      <p:pic>
+        <p:nvPicPr>
+          <p:cNvPr id="17" name="図 16">
+            <a:extLst>
+              <a:ext uri="{FF2B5EF4-FFF2-40B4-BE49-F238E27FC236}">
+                <a16:creationId xmlns:a16="http://schemas.microsoft.com/office/drawing/2014/main" id="{459DF08E-7446-609D-0D72-9ADCB56C5357}"/>
+              </a:ext>
+            </a:extLst>
+          </p:cNvPr>
+          <p:cNvPicPr>
+            <a:picLocks noChangeAspect="1"/>
+          </p:cNvPicPr>
+          <p:nvPr/>
+        </p:nvPicPr>
+        <p:blipFill>
+          <a:blip r:embed="rId9"/>
+          <a:stretch>
+            <a:fillRect/>
+          </a:stretch>
+        </p:blipFill>
+        <p:spPr>
+          <a:xfrm>
+            <a:off x="5491373" y="4063577"/>
+            <a:ext cx="1796033" cy="1516650"/>
+          </a:xfrm>
+          <a:prstGeom prst="rect">
+            <a:avLst/>
+          </a:prstGeom>
+        </p:spPr>
+      </p:pic>
+      <p:pic>
+        <p:nvPicPr>
+          <p:cNvPr id="18" name="図 17">
+            <a:extLst>
+              <a:ext uri="{FF2B5EF4-FFF2-40B4-BE49-F238E27FC236}">
+                <a16:creationId xmlns:a16="http://schemas.microsoft.com/office/drawing/2014/main" id="{90D422D9-2EAA-E4BE-CF2F-507A8D9E01D6}"/>
+              </a:ext>
+            </a:extLst>
+          </p:cNvPr>
+          <p:cNvPicPr>
+            <a:picLocks noChangeAspect="1"/>
+          </p:cNvPicPr>
+          <p:nvPr/>
+        </p:nvPicPr>
+        <p:blipFill>
+          <a:blip r:embed="rId10"/>
+          <a:stretch>
+            <a:fillRect/>
+          </a:stretch>
+        </p:blipFill>
+        <p:spPr>
+          <a:xfrm>
+            <a:off x="7357237" y="4035737"/>
+            <a:ext cx="1829001" cy="1544490"/>
+          </a:xfrm>
+          <a:prstGeom prst="rect">
+            <a:avLst/>
+          </a:prstGeom>
+        </p:spPr>
+      </p:pic>
+      <p:pic>
+        <p:nvPicPr>
+          <p:cNvPr id="19" name="図 18">
+            <a:extLst>
+              <a:ext uri="{FF2B5EF4-FFF2-40B4-BE49-F238E27FC236}">
+                <a16:creationId xmlns:a16="http://schemas.microsoft.com/office/drawing/2014/main" id="{17BFA3CB-2315-C057-7516-9B1BF1870FB4}"/>
+              </a:ext>
+            </a:extLst>
+          </p:cNvPr>
+          <p:cNvPicPr>
+            <a:picLocks noChangeAspect="1"/>
+          </p:cNvPicPr>
+          <p:nvPr/>
+        </p:nvPicPr>
+        <p:blipFill>
+          <a:blip r:embed="rId11"/>
+          <a:stretch>
+            <a:fillRect/>
+          </a:stretch>
+        </p:blipFill>
+        <p:spPr>
+          <a:xfrm>
+            <a:off x="3618421" y="7653779"/>
+            <a:ext cx="1694792" cy="1431158"/>
+          </a:xfrm>
+          <a:prstGeom prst="rect">
+            <a:avLst/>
+          </a:prstGeom>
+        </p:spPr>
+      </p:pic>
+      <p:pic>
+        <p:nvPicPr>
+          <p:cNvPr id="20" name="図 19">
+            <a:extLst>
+              <a:ext uri="{FF2B5EF4-FFF2-40B4-BE49-F238E27FC236}">
+                <a16:creationId xmlns:a16="http://schemas.microsoft.com/office/drawing/2014/main" id="{F81FE63C-6205-D1F0-ADE5-6C65A854DB61}"/>
+              </a:ext>
+            </a:extLst>
+          </p:cNvPr>
+          <p:cNvPicPr>
+            <a:picLocks noChangeAspect="1"/>
+          </p:cNvPicPr>
+          <p:nvPr/>
+        </p:nvPicPr>
+        <p:blipFill>
+          <a:blip r:embed="rId12"/>
+          <a:stretch>
+            <a:fillRect/>
+          </a:stretch>
+        </p:blipFill>
+        <p:spPr>
+          <a:xfrm>
+            <a:off x="5543963" y="7632540"/>
+            <a:ext cx="1694792" cy="1431158"/>
+          </a:xfrm>
+          <a:prstGeom prst="rect">
+            <a:avLst/>
+          </a:prstGeom>
+        </p:spPr>
+      </p:pic>
+      <p:pic>
+        <p:nvPicPr>
+          <p:cNvPr id="21" name="図 20">
+            <a:extLst>
+              <a:ext uri="{FF2B5EF4-FFF2-40B4-BE49-F238E27FC236}">
+                <a16:creationId xmlns:a16="http://schemas.microsoft.com/office/drawing/2014/main" id="{CA2F67AA-D3A6-670E-AA90-552D57A3FD0B}"/>
+              </a:ext>
+            </a:extLst>
+          </p:cNvPr>
+          <p:cNvPicPr>
+            <a:picLocks noChangeAspect="1"/>
+          </p:cNvPicPr>
+          <p:nvPr/>
+        </p:nvPicPr>
+        <p:blipFill>
+          <a:blip r:embed="rId13"/>
+          <a:stretch>
+            <a:fillRect/>
+          </a:stretch>
+        </p:blipFill>
+        <p:spPr>
+          <a:xfrm>
+            <a:off x="7445406" y="7653779"/>
+            <a:ext cx="1669641" cy="1409919"/>
+          </a:xfrm>
+          <a:prstGeom prst="rect">
+            <a:avLst/>
+          </a:prstGeom>
+        </p:spPr>
+      </p:pic>
+      <p:pic>
+        <p:nvPicPr>
+          <p:cNvPr id="23" name="図 22">
+            <a:extLst>
+              <a:ext uri="{FF2B5EF4-FFF2-40B4-BE49-F238E27FC236}">
+                <a16:creationId xmlns:a16="http://schemas.microsoft.com/office/drawing/2014/main" id="{3014C5F3-28FF-8310-7F37-661A1DD052DF}"/>
+              </a:ext>
+            </a:extLst>
+          </p:cNvPr>
+          <p:cNvPicPr>
+            <a:picLocks noChangeAspect="1"/>
+          </p:cNvPicPr>
+          <p:nvPr/>
+        </p:nvPicPr>
+        <p:blipFill>
+          <a:blip r:embed="rId14"/>
+          <a:stretch>
+            <a:fillRect/>
+          </a:stretch>
+        </p:blipFill>
+        <p:spPr>
+          <a:xfrm>
+            <a:off x="7445406" y="9190139"/>
+            <a:ext cx="1631173" cy="1505188"/>
+          </a:xfrm>
+          <a:prstGeom prst="rect">
+            <a:avLst/>
+          </a:prstGeom>
+        </p:spPr>
+      </p:pic>
+      <p:pic>
+        <p:nvPicPr>
+          <p:cNvPr id="24" name="図 23">
+            <a:extLst>
+              <a:ext uri="{FF2B5EF4-FFF2-40B4-BE49-F238E27FC236}">
+                <a16:creationId xmlns:a16="http://schemas.microsoft.com/office/drawing/2014/main" id="{97599B87-E78D-B876-E9C6-84426AD2CA88}"/>
+              </a:ext>
+            </a:extLst>
+          </p:cNvPr>
+          <p:cNvPicPr>
+            <a:picLocks noChangeAspect="1"/>
+          </p:cNvPicPr>
+          <p:nvPr/>
+        </p:nvPicPr>
+        <p:blipFill>
+          <a:blip r:embed="rId15"/>
+          <a:stretch>
+            <a:fillRect/>
+          </a:stretch>
+        </p:blipFill>
+        <p:spPr>
+          <a:xfrm>
+            <a:off x="3618421" y="9190139"/>
+            <a:ext cx="1631173" cy="1505188"/>
+          </a:xfrm>
+          <a:prstGeom prst="rect">
+            <a:avLst/>
+          </a:prstGeom>
+        </p:spPr>
+      </p:pic>
+      <p:pic>
+        <p:nvPicPr>
+          <p:cNvPr id="25" name="図 24">
+            <a:extLst>
+              <a:ext uri="{FF2B5EF4-FFF2-40B4-BE49-F238E27FC236}">
+                <a16:creationId xmlns:a16="http://schemas.microsoft.com/office/drawing/2014/main" id="{979A282B-413B-7B18-3F6C-49767FFD7A86}"/>
+              </a:ext>
+            </a:extLst>
+          </p:cNvPr>
+          <p:cNvPicPr>
+            <a:picLocks noChangeAspect="1"/>
+          </p:cNvPicPr>
+          <p:nvPr/>
+        </p:nvPicPr>
+        <p:blipFill>
+          <a:blip r:embed="rId16"/>
+          <a:stretch>
+            <a:fillRect/>
+          </a:stretch>
+        </p:blipFill>
+        <p:spPr>
+          <a:xfrm>
+            <a:off x="5577746" y="9188284"/>
+            <a:ext cx="1631173" cy="1505188"/>
+          </a:xfrm>
+          <a:prstGeom prst="rect">
+            <a:avLst/>
+          </a:prstGeom>
+        </p:spPr>
+      </p:pic>
+      <p:pic>
+        <p:nvPicPr>
+          <p:cNvPr id="26" name="図 25">
+            <a:extLst>
+              <a:ext uri="{FF2B5EF4-FFF2-40B4-BE49-F238E27FC236}">
+                <a16:creationId xmlns:a16="http://schemas.microsoft.com/office/drawing/2014/main" id="{DA5A9D7D-58DC-F823-E5F0-D4BFD2FE3DC7}"/>
+              </a:ext>
+            </a:extLst>
+          </p:cNvPr>
+          <p:cNvPicPr>
+            <a:picLocks noChangeAspect="1"/>
+          </p:cNvPicPr>
+          <p:nvPr/>
+        </p:nvPicPr>
+        <p:blipFill>
+          <a:blip r:embed="rId17"/>
+          <a:stretch>
+            <a:fillRect/>
+          </a:stretch>
+        </p:blipFill>
+        <p:spPr>
+          <a:xfrm>
+            <a:off x="5514756" y="5683548"/>
+            <a:ext cx="1749317" cy="1614207"/>
+          </a:xfrm>
+          <a:prstGeom prst="rect">
+            <a:avLst/>
+          </a:prstGeom>
+        </p:spPr>
+      </p:pic>
+      <p:pic>
+        <p:nvPicPr>
+          <p:cNvPr id="27" name="図 26">
+            <a:extLst>
+              <a:ext uri="{FF2B5EF4-FFF2-40B4-BE49-F238E27FC236}">
+                <a16:creationId xmlns:a16="http://schemas.microsoft.com/office/drawing/2014/main" id="{315DB251-9819-AD32-1619-3FF0FD63429C}"/>
+              </a:ext>
+            </a:extLst>
+          </p:cNvPr>
+          <p:cNvPicPr>
+            <a:picLocks noChangeAspect="1"/>
+          </p:cNvPicPr>
+          <p:nvPr/>
+        </p:nvPicPr>
+        <p:blipFill>
+          <a:blip r:embed="rId18"/>
+          <a:stretch>
+            <a:fillRect/>
+          </a:stretch>
+        </p:blipFill>
+        <p:spPr>
+          <a:xfrm>
+            <a:off x="7404515" y="5683548"/>
+            <a:ext cx="1710532" cy="1578418"/>
+          </a:xfrm>
+          <a:prstGeom prst="rect">
+            <a:avLst/>
+          </a:prstGeom>
+        </p:spPr>
+      </p:pic>
+      <p:pic>
+        <p:nvPicPr>
+          <p:cNvPr id="28" name="図 27">
+            <a:extLst>
+              <a:ext uri="{FF2B5EF4-FFF2-40B4-BE49-F238E27FC236}">
+                <a16:creationId xmlns:a16="http://schemas.microsoft.com/office/drawing/2014/main" id="{CF40AAFA-9DC7-3E6B-D210-B0DA3E2737CD}"/>
+              </a:ext>
+            </a:extLst>
+          </p:cNvPr>
+          <p:cNvPicPr>
+            <a:picLocks noChangeAspect="1"/>
+          </p:cNvPicPr>
+          <p:nvPr/>
+        </p:nvPicPr>
+        <p:blipFill>
+          <a:blip r:embed="rId19"/>
+          <a:stretch>
+            <a:fillRect/>
+          </a:stretch>
+        </p:blipFill>
+        <p:spPr>
+          <a:xfrm>
+            <a:off x="3618421" y="5683548"/>
+            <a:ext cx="1798892" cy="1659953"/>
+          </a:xfrm>
+          <a:prstGeom prst="rect">
+            <a:avLst/>
+          </a:prstGeom>
+        </p:spPr>
+      </p:pic>
+      <p:pic>
+        <p:nvPicPr>
+          <p:cNvPr id="29" name="図 28">
+            <a:extLst>
+              <a:ext uri="{FF2B5EF4-FFF2-40B4-BE49-F238E27FC236}">
+                <a16:creationId xmlns:a16="http://schemas.microsoft.com/office/drawing/2014/main" id="{670C080F-1AF1-BD18-9BAA-40C95C226A81}"/>
+              </a:ext>
+            </a:extLst>
+          </p:cNvPr>
+          <p:cNvPicPr>
+            <a:picLocks noChangeAspect="1"/>
+          </p:cNvPicPr>
+          <p:nvPr/>
+        </p:nvPicPr>
+        <p:blipFill>
+          <a:blip r:embed="rId20"/>
+          <a:stretch>
+            <a:fillRect/>
+          </a:stretch>
+        </p:blipFill>
+        <p:spPr>
+          <a:xfrm>
+            <a:off x="3618421" y="12549567"/>
+            <a:ext cx="1798893" cy="1659954"/>
+          </a:xfrm>
+          <a:prstGeom prst="rect">
+            <a:avLst/>
+          </a:prstGeom>
+        </p:spPr>
+      </p:pic>
+      <p:pic>
+        <p:nvPicPr>
+          <p:cNvPr id="30" name="図 29">
+            <a:extLst>
+              <a:ext uri="{FF2B5EF4-FFF2-40B4-BE49-F238E27FC236}">
+                <a16:creationId xmlns:a16="http://schemas.microsoft.com/office/drawing/2014/main" id="{3B6F94E2-D1F2-81E3-9ABA-65F5BC454F09}"/>
+              </a:ext>
+            </a:extLst>
+          </p:cNvPr>
+          <p:cNvPicPr>
+            <a:picLocks noChangeAspect="1"/>
+          </p:cNvPicPr>
+          <p:nvPr/>
+        </p:nvPicPr>
+        <p:blipFill>
+          <a:blip r:embed="rId21"/>
+          <a:stretch>
+            <a:fillRect/>
+          </a:stretch>
+        </p:blipFill>
+        <p:spPr>
+          <a:xfrm>
+            <a:off x="5501433" y="12549565"/>
+            <a:ext cx="1798894" cy="1659955"/>
+          </a:xfrm>
+          <a:prstGeom prst="rect">
+            <a:avLst/>
+          </a:prstGeom>
+        </p:spPr>
+      </p:pic>
+      <p:pic>
+        <p:nvPicPr>
+          <p:cNvPr id="31" name="図 30">
+            <a:extLst>
+              <a:ext uri="{FF2B5EF4-FFF2-40B4-BE49-F238E27FC236}">
+                <a16:creationId xmlns:a16="http://schemas.microsoft.com/office/drawing/2014/main" id="{5B2FCBD7-0BD7-834F-D096-C0B2D7751558}"/>
+              </a:ext>
+            </a:extLst>
+          </p:cNvPr>
+          <p:cNvPicPr>
+            <a:picLocks noChangeAspect="1"/>
+          </p:cNvPicPr>
+          <p:nvPr/>
+        </p:nvPicPr>
+        <p:blipFill>
+          <a:blip r:embed="rId22"/>
+          <a:stretch>
+            <a:fillRect/>
+          </a:stretch>
+        </p:blipFill>
+        <p:spPr>
+          <a:xfrm>
+            <a:off x="7390588" y="12549564"/>
+            <a:ext cx="1798894" cy="1659955"/>
+          </a:xfrm>
+          <a:prstGeom prst="rect">
+            <a:avLst/>
+          </a:prstGeom>
+        </p:spPr>
+      </p:pic>
+      <p:pic>
+        <p:nvPicPr>
+          <p:cNvPr id="32" name="図 31">
+            <a:extLst>
+              <a:ext uri="{FF2B5EF4-FFF2-40B4-BE49-F238E27FC236}">
+                <a16:creationId xmlns:a16="http://schemas.microsoft.com/office/drawing/2014/main" id="{CD9C08F8-E03A-1E0B-F9EE-E6F350FA6A3F}"/>
+              </a:ext>
+            </a:extLst>
+          </p:cNvPr>
+          <p:cNvPicPr>
+            <a:picLocks noChangeAspect="1"/>
+          </p:cNvPicPr>
+          <p:nvPr/>
+        </p:nvPicPr>
+        <p:blipFill>
+          <a:blip r:embed="rId23"/>
+          <a:stretch>
+            <a:fillRect/>
+          </a:stretch>
+        </p:blipFill>
+        <p:spPr>
+          <a:xfrm>
+            <a:off x="7404515" y="10867824"/>
+            <a:ext cx="1777857" cy="1640543"/>
+          </a:xfrm>
+          <a:prstGeom prst="rect">
+            <a:avLst/>
+          </a:prstGeom>
+        </p:spPr>
+      </p:pic>
+      <p:pic>
+        <p:nvPicPr>
+          <p:cNvPr id="33" name="図 32">
+            <a:extLst>
+              <a:ext uri="{FF2B5EF4-FFF2-40B4-BE49-F238E27FC236}">
+                <a16:creationId xmlns:a16="http://schemas.microsoft.com/office/drawing/2014/main" id="{4ADB6612-7AEB-0790-E6DF-3EE787F37238}"/>
+              </a:ext>
+            </a:extLst>
+          </p:cNvPr>
+          <p:cNvPicPr>
+            <a:picLocks noChangeAspect="1"/>
+          </p:cNvPicPr>
+          <p:nvPr/>
+        </p:nvPicPr>
+        <p:blipFill>
+          <a:blip r:embed="rId24"/>
+          <a:stretch>
+            <a:fillRect/>
+          </a:stretch>
+        </p:blipFill>
+        <p:spPr>
+          <a:xfrm>
+            <a:off x="3647675" y="10867824"/>
+            <a:ext cx="1746646" cy="1611742"/>
+          </a:xfrm>
+          <a:prstGeom prst="rect">
+            <a:avLst/>
+          </a:prstGeom>
+        </p:spPr>
+      </p:pic>
+      <p:pic>
+        <p:nvPicPr>
+          <p:cNvPr id="34" name="図 33">
+            <a:extLst>
+              <a:ext uri="{FF2B5EF4-FFF2-40B4-BE49-F238E27FC236}">
+                <a16:creationId xmlns:a16="http://schemas.microsoft.com/office/drawing/2014/main" id="{63562283-8AF4-90FA-551F-7E675D8F8568}"/>
+              </a:ext>
+            </a:extLst>
+          </p:cNvPr>
+          <p:cNvPicPr>
+            <a:picLocks noChangeAspect="1"/>
+          </p:cNvPicPr>
+          <p:nvPr/>
+        </p:nvPicPr>
+        <p:blipFill>
+          <a:blip r:embed="rId25"/>
+          <a:stretch>
+            <a:fillRect/>
+          </a:stretch>
+        </p:blipFill>
+        <p:spPr>
+          <a:xfrm>
+            <a:off x="5486081" y="10867822"/>
+            <a:ext cx="1746647" cy="1611743"/>
+          </a:xfrm>
+          <a:prstGeom prst="rect">
+            <a:avLst/>
+          </a:prstGeom>
+        </p:spPr>
+      </p:pic>
+    </p:spTree>
+    <p:extLst>
+      <p:ext uri="{BB962C8B-B14F-4D97-AF65-F5344CB8AC3E}">
+        <p14:creationId xmlns:p14="http://schemas.microsoft.com/office/powerpoint/2010/main" val="3635006765"/>
       </p:ext>
     </p:extLst>
   </p:cSld>

--- a/readmeImage/素材.pptx
+++ b/readmeImage/素材.pptx
@@ -5971,7 +5971,7 @@
           <p:nvPr>
             <p:extLst>
               <p:ext uri="{D42A27DB-BD31-4B8C-83A1-F6EECF244321}">
-                <p14:modId xmlns:p14="http://schemas.microsoft.com/office/powerpoint/2010/main" val="194305695"/>
+                <p14:modId xmlns:p14="http://schemas.microsoft.com/office/powerpoint/2010/main" val="719488574"/>
               </p:ext>
             </p:extLst>
           </p:nvPr>

--- a/readmeImage/素材.pptx
+++ b/readmeImage/素材.pptx
@@ -260,7 +260,7 @@
           <a:p>
             <a:fld id="{6D45DB4D-E349-9B4C-9A89-4C090BD18885}" type="datetimeFigureOut">
               <a:rPr kumimoji="1" lang="ja-JP" altLang="en-US" smtClean="0"/>
-              <a:t>2022/11/27</a:t>
+              <a:t>2023/12/28</a:t>
             </a:fld>
             <a:endParaRPr kumimoji="1" lang="ja-JP" altLang="en-US"/>
           </a:p>
@@ -490,7 +490,7 @@
           <a:p>
             <a:fld id="{6D45DB4D-E349-9B4C-9A89-4C090BD18885}" type="datetimeFigureOut">
               <a:rPr kumimoji="1" lang="ja-JP" altLang="en-US" smtClean="0"/>
-              <a:t>2022/11/27</a:t>
+              <a:t>2023/12/28</a:t>
             </a:fld>
             <a:endParaRPr kumimoji="1" lang="ja-JP" altLang="en-US"/>
           </a:p>
@@ -730,7 +730,7 @@
           <a:p>
             <a:fld id="{6D45DB4D-E349-9B4C-9A89-4C090BD18885}" type="datetimeFigureOut">
               <a:rPr kumimoji="1" lang="ja-JP" altLang="en-US" smtClean="0"/>
-              <a:t>2022/11/27</a:t>
+              <a:t>2023/12/28</a:t>
             </a:fld>
             <a:endParaRPr kumimoji="1" lang="ja-JP" altLang="en-US"/>
           </a:p>
@@ -960,7 +960,7 @@
           <a:p>
             <a:fld id="{6D45DB4D-E349-9B4C-9A89-4C090BD18885}" type="datetimeFigureOut">
               <a:rPr kumimoji="1" lang="ja-JP" altLang="en-US" smtClean="0"/>
-              <a:t>2022/11/27</a:t>
+              <a:t>2023/12/28</a:t>
             </a:fld>
             <a:endParaRPr kumimoji="1" lang="ja-JP" altLang="en-US"/>
           </a:p>
@@ -1235,7 +1235,7 @@
           <a:p>
             <a:fld id="{6D45DB4D-E349-9B4C-9A89-4C090BD18885}" type="datetimeFigureOut">
               <a:rPr kumimoji="1" lang="ja-JP" altLang="en-US" smtClean="0"/>
-              <a:t>2022/11/27</a:t>
+              <a:t>2023/12/28</a:t>
             </a:fld>
             <a:endParaRPr kumimoji="1" lang="ja-JP" altLang="en-US"/>
           </a:p>
@@ -1564,7 +1564,7 @@
           <a:p>
             <a:fld id="{6D45DB4D-E349-9B4C-9A89-4C090BD18885}" type="datetimeFigureOut">
               <a:rPr kumimoji="1" lang="ja-JP" altLang="en-US" smtClean="0"/>
-              <a:t>2022/11/27</a:t>
+              <a:t>2023/12/28</a:t>
             </a:fld>
             <a:endParaRPr kumimoji="1" lang="ja-JP" altLang="en-US"/>
           </a:p>
@@ -2040,7 +2040,7 @@
           <a:p>
             <a:fld id="{6D45DB4D-E349-9B4C-9A89-4C090BD18885}" type="datetimeFigureOut">
               <a:rPr kumimoji="1" lang="ja-JP" altLang="en-US" smtClean="0"/>
-              <a:t>2022/11/27</a:t>
+              <a:t>2023/12/28</a:t>
             </a:fld>
             <a:endParaRPr kumimoji="1" lang="ja-JP" altLang="en-US"/>
           </a:p>
@@ -2181,7 +2181,7 @@
           <a:p>
             <a:fld id="{6D45DB4D-E349-9B4C-9A89-4C090BD18885}" type="datetimeFigureOut">
               <a:rPr kumimoji="1" lang="ja-JP" altLang="en-US" smtClean="0"/>
-              <a:t>2022/11/27</a:t>
+              <a:t>2023/12/28</a:t>
             </a:fld>
             <a:endParaRPr kumimoji="1" lang="ja-JP" altLang="en-US"/>
           </a:p>
@@ -2294,7 +2294,7 @@
           <a:p>
             <a:fld id="{6D45DB4D-E349-9B4C-9A89-4C090BD18885}" type="datetimeFigureOut">
               <a:rPr kumimoji="1" lang="ja-JP" altLang="en-US" smtClean="0"/>
-              <a:t>2022/11/27</a:t>
+              <a:t>2023/12/28</a:t>
             </a:fld>
             <a:endParaRPr kumimoji="1" lang="ja-JP" altLang="en-US"/>
           </a:p>
@@ -2637,7 +2637,7 @@
           <a:p>
             <a:fld id="{6D45DB4D-E349-9B4C-9A89-4C090BD18885}" type="datetimeFigureOut">
               <a:rPr kumimoji="1" lang="ja-JP" altLang="en-US" smtClean="0"/>
-              <a:t>2022/11/27</a:t>
+              <a:t>2023/12/28</a:t>
             </a:fld>
             <a:endParaRPr kumimoji="1" lang="ja-JP" altLang="en-US"/>
           </a:p>
@@ -2925,7 +2925,7 @@
           <a:p>
             <a:fld id="{6D45DB4D-E349-9B4C-9A89-4C090BD18885}" type="datetimeFigureOut">
               <a:rPr kumimoji="1" lang="ja-JP" altLang="en-US" smtClean="0"/>
-              <a:t>2022/11/27</a:t>
+              <a:t>2023/12/28</a:t>
             </a:fld>
             <a:endParaRPr kumimoji="1" lang="ja-JP" altLang="en-US"/>
           </a:p>
@@ -3198,7 +3198,7 @@
           <a:p>
             <a:fld id="{6D45DB4D-E349-9B4C-9A89-4C090BD18885}" type="datetimeFigureOut">
               <a:rPr kumimoji="1" lang="ja-JP" altLang="en-US" smtClean="0"/>
-              <a:t>2022/11/27</a:t>
+              <a:t>2023/12/28</a:t>
             </a:fld>
             <a:endParaRPr kumimoji="1" lang="ja-JP" altLang="en-US"/>
           </a:p>
@@ -5971,14 +5971,14 @@
           <p:nvPr>
             <p:extLst>
               <p:ext uri="{D42A27DB-BD31-4B8C-83A1-F6EECF244321}">
-                <p14:modId xmlns:p14="http://schemas.microsoft.com/office/powerpoint/2010/main" val="719488574"/>
+                <p14:modId xmlns:p14="http://schemas.microsoft.com/office/powerpoint/2010/main" val="4020140047"/>
               </p:ext>
             </p:extLst>
           </p:nvPr>
         </p:nvGraphicFramePr>
         <p:xfrm>
           <a:off x="-1786270" y="-1079363"/>
-          <a:ext cx="11121656" cy="15369521"/>
+          <a:ext cx="11121656" cy="17239079"/>
         </p:xfrm>
         <a:graphic>
           <a:graphicData uri="http://schemas.openxmlformats.org/drawingml/2006/table">
@@ -6295,6 +6295,150 @@
                   </a:ext>
                 </a:extLst>
               </a:tr>
+              <a:tr h="1869558">
+                <a:tc>
+                  <a:txBody>
+                    <a:bodyPr/>
+                    <a:lstStyle/>
+                    <a:p>
+                      <a:pPr marL="0" marR="0" lvl="0" indent="0" algn="ctr" defTabSz="914400" rtl="0" eaLnBrk="1" fontAlgn="auto" latinLnBrk="0" hangingPunct="1">
+                        <a:lnSpc>
+                          <a:spcPct val="150000"/>
+                        </a:lnSpc>
+                        <a:spcBef>
+                          <a:spcPts val="0"/>
+                        </a:spcBef>
+                        <a:spcAft>
+                          <a:spcPts val="0"/>
+                        </a:spcAft>
+                        <a:buClrTx/>
+                        <a:buSzTx/>
+                        <a:buFontTx/>
+                        <a:buNone/>
+                        <a:tabLst/>
+                        <a:defRPr/>
+                      </a:pPr>
+                      <a:r>
+                        <a:rPr kumimoji="1" lang="en-US" altLang="ja-JP" sz="4000" b="0" i="0" u="none" strike="noStrike" kern="1200" cap="none" spc="0" normalizeH="0" baseline="0" noProof="0" dirty="0">
+                          <a:ln>
+                            <a:noFill/>
+                          </a:ln>
+                          <a:solidFill>
+                            <a:prstClr val="black"/>
+                          </a:solidFill>
+                          <a:effectLst/>
+                          <a:uLnTx/>
+                          <a:uFillTx/>
+                          <a:latin typeface="+mn-lt"/>
+                          <a:ea typeface="+mn-ea"/>
+                          <a:cs typeface="+mn-cs"/>
+                        </a:rPr>
+                        <a:t>4.8mm</a:t>
+                      </a:r>
+                    </a:p>
+                    <a:p>
+                      <a:pPr marL="0" marR="0" lvl="0" indent="0" algn="ctr" defTabSz="914400" rtl="0" eaLnBrk="1" fontAlgn="auto" latinLnBrk="0" hangingPunct="1">
+                        <a:lnSpc>
+                          <a:spcPct val="150000"/>
+                        </a:lnSpc>
+                        <a:spcBef>
+                          <a:spcPts val="0"/>
+                        </a:spcBef>
+                        <a:spcAft>
+                          <a:spcPts val="0"/>
+                        </a:spcAft>
+                        <a:buClrTx/>
+                        <a:buSzTx/>
+                        <a:buFontTx/>
+                        <a:buNone/>
+                        <a:tabLst/>
+                        <a:defRPr/>
+                      </a:pPr>
+                      <a:r>
+                        <a:rPr kumimoji="1" lang="en-US" altLang="ja-JP" sz="4000" b="0" i="0" u="none" strike="noStrike" kern="1200" cap="none" spc="0" normalizeH="0" baseline="0" noProof="0" dirty="0">
+                          <a:ln>
+                            <a:noFill/>
+                          </a:ln>
+                          <a:solidFill>
+                            <a:prstClr val="black"/>
+                          </a:solidFill>
+                          <a:effectLst/>
+                          <a:uLnTx/>
+                          <a:uFillTx/>
+                          <a:latin typeface="+mn-lt"/>
+                          <a:ea typeface="+mn-ea"/>
+                          <a:cs typeface="+mn-cs"/>
+                        </a:rPr>
+                        <a:t>-cubic</a:t>
+                      </a:r>
+                      <a:endParaRPr kumimoji="1" lang="ja-JP" altLang="en-US" sz="4000" b="0" i="0" u="none" strike="noStrike" kern="1200" cap="none" spc="0" normalizeH="0" baseline="0" noProof="0">
+                        <a:ln>
+                          <a:noFill/>
+                        </a:ln>
+                        <a:solidFill>
+                          <a:prstClr val="black"/>
+                        </a:solidFill>
+                        <a:effectLst/>
+                        <a:uLnTx/>
+                        <a:uFillTx/>
+                        <a:latin typeface="+mn-lt"/>
+                        <a:ea typeface="+mn-ea"/>
+                        <a:cs typeface="+mn-cs"/>
+                      </a:endParaRPr>
+                    </a:p>
+                  </a:txBody>
+                  <a:tcPr/>
+                </a:tc>
+                <a:tc>
+                  <a:txBody>
+                    <a:bodyPr/>
+                    <a:lstStyle/>
+                    <a:p>
+                      <a:pPr algn="ctr"/>
+                      <a:endParaRPr kumimoji="1" lang="ja-JP" altLang="en-US" sz="3200"/>
+                    </a:p>
+                  </a:txBody>
+                  <a:tcPr/>
+                </a:tc>
+                <a:tc>
+                  <a:txBody>
+                    <a:bodyPr/>
+                    <a:lstStyle/>
+                    <a:p>
+                      <a:pPr algn="ctr"/>
+                      <a:endParaRPr kumimoji="1" lang="ja-JP" altLang="en-US" sz="3200"/>
+                    </a:p>
+                  </a:txBody>
+                  <a:tcPr/>
+                </a:tc>
+                <a:tc>
+                  <a:txBody>
+                    <a:bodyPr/>
+                    <a:lstStyle/>
+                    <a:p>
+                      <a:pPr algn="ctr"/>
+                      <a:endParaRPr kumimoji="1" lang="ja-JP" altLang="en-US" sz="3200"/>
+                    </a:p>
+                  </a:txBody>
+                  <a:tcPr/>
+                </a:tc>
+                <a:tc>
+                  <a:txBody>
+                    <a:bodyPr/>
+                    <a:lstStyle/>
+                    <a:p>
+                      <a:pPr algn="ctr"/>
+                      <a:endParaRPr kumimoji="1" lang="ja-JP" altLang="en-US" sz="3200"/>
+                    </a:p>
+                  </a:txBody>
+                  <a:tcPr/>
+                </a:tc>
+                <a:extLst>
+                  <a:ext uri="{0D108BD9-81ED-4DB2-BD59-A6C34878D82A}">
+                    <a16:rowId xmlns:a16="http://schemas.microsoft.com/office/drawing/2014/main" val="1866043520"/>
+                  </a:ext>
+                </a:extLst>
+              </a:tr>
               <a:tr h="3423683">
                 <a:tc>
                   <a:txBody>
@@ -6754,7 +6898,7 @@
         </p:nvSpPr>
         <p:spPr>
           <a:xfrm>
-            <a:off x="1786269" y="5226284"/>
+            <a:off x="1786269" y="4515084"/>
             <a:ext cx="1441420" cy="707886"/>
           </a:xfrm>
           <a:prstGeom prst="rect">
@@ -6790,7 +6934,7 @@
         </p:nvSpPr>
         <p:spPr>
           <a:xfrm>
-            <a:off x="1786269" y="8707232"/>
+            <a:off x="1786269" y="6980032"/>
             <a:ext cx="1441420" cy="707886"/>
           </a:xfrm>
           <a:prstGeom prst="rect">
@@ -6826,7 +6970,7 @@
         </p:nvSpPr>
         <p:spPr>
           <a:xfrm>
-            <a:off x="1786269" y="12154425"/>
+            <a:off x="1786269" y="10427225"/>
             <a:ext cx="1441420" cy="707886"/>
           </a:xfrm>
           <a:prstGeom prst="rect">
@@ -6960,7 +7104,7 @@
         </p:blipFill>
         <p:spPr>
           <a:xfrm>
-            <a:off x="3618421" y="4093941"/>
+            <a:off x="3674732" y="5950857"/>
             <a:ext cx="1796033" cy="1516650"/>
           </a:xfrm>
           <a:prstGeom prst="rect">
@@ -6990,7 +7134,7 @@
         </p:blipFill>
         <p:spPr>
           <a:xfrm>
-            <a:off x="5491373" y="4063577"/>
+            <a:off x="5547684" y="5920493"/>
             <a:ext cx="1796033" cy="1516650"/>
           </a:xfrm>
           <a:prstGeom prst="rect">
@@ -7020,7 +7164,7 @@
         </p:blipFill>
         <p:spPr>
           <a:xfrm>
-            <a:off x="7357237" y="4035737"/>
+            <a:off x="7413548" y="5892653"/>
             <a:ext cx="1829001" cy="1544490"/>
           </a:xfrm>
           <a:prstGeom prst="rect">
@@ -7050,7 +7194,7 @@
         </p:blipFill>
         <p:spPr>
           <a:xfrm>
-            <a:off x="3618421" y="7653779"/>
+            <a:off x="3674732" y="9510695"/>
             <a:ext cx="1694792" cy="1431158"/>
           </a:xfrm>
           <a:prstGeom prst="rect">
@@ -7080,7 +7224,7 @@
         </p:blipFill>
         <p:spPr>
           <a:xfrm>
-            <a:off x="5543963" y="7632540"/>
+            <a:off x="5600274" y="9489456"/>
             <a:ext cx="1694792" cy="1431158"/>
           </a:xfrm>
           <a:prstGeom prst="rect">
@@ -7110,7 +7254,7 @@
         </p:blipFill>
         <p:spPr>
           <a:xfrm>
-            <a:off x="7445406" y="7653779"/>
+            <a:off x="7501717" y="9510695"/>
             <a:ext cx="1669641" cy="1409919"/>
           </a:xfrm>
           <a:prstGeom prst="rect">
@@ -7140,7 +7284,7 @@
         </p:blipFill>
         <p:spPr>
           <a:xfrm>
-            <a:off x="7445406" y="9190139"/>
+            <a:off x="7501717" y="11047055"/>
             <a:ext cx="1631173" cy="1505188"/>
           </a:xfrm>
           <a:prstGeom prst="rect">
@@ -7170,7 +7314,7 @@
         </p:blipFill>
         <p:spPr>
           <a:xfrm>
-            <a:off x="3618421" y="9190139"/>
+            <a:off x="3674732" y="11047055"/>
             <a:ext cx="1631173" cy="1505188"/>
           </a:xfrm>
           <a:prstGeom prst="rect">
@@ -7200,7 +7344,7 @@
         </p:blipFill>
         <p:spPr>
           <a:xfrm>
-            <a:off x="5577746" y="9188284"/>
+            <a:off x="5634057" y="11045200"/>
             <a:ext cx="1631173" cy="1505188"/>
           </a:xfrm>
           <a:prstGeom prst="rect">
@@ -7230,7 +7374,7 @@
         </p:blipFill>
         <p:spPr>
           <a:xfrm>
-            <a:off x="5514756" y="5683548"/>
+            <a:off x="5571067" y="7540464"/>
             <a:ext cx="1749317" cy="1614207"/>
           </a:xfrm>
           <a:prstGeom prst="rect">
@@ -7260,7 +7404,7 @@
         </p:blipFill>
         <p:spPr>
           <a:xfrm>
-            <a:off x="7404515" y="5683548"/>
+            <a:off x="7460826" y="7540464"/>
             <a:ext cx="1710532" cy="1578418"/>
           </a:xfrm>
           <a:prstGeom prst="rect">
@@ -7290,7 +7434,7 @@
         </p:blipFill>
         <p:spPr>
           <a:xfrm>
-            <a:off x="3618421" y="5683548"/>
+            <a:off x="3674732" y="7540464"/>
             <a:ext cx="1798892" cy="1659953"/>
           </a:xfrm>
           <a:prstGeom prst="rect">
@@ -7320,7 +7464,7 @@
         </p:blipFill>
         <p:spPr>
           <a:xfrm>
-            <a:off x="3618421" y="12549567"/>
+            <a:off x="3674732" y="14406483"/>
             <a:ext cx="1798893" cy="1659954"/>
           </a:xfrm>
           <a:prstGeom prst="rect">
@@ -7350,7 +7494,7 @@
         </p:blipFill>
         <p:spPr>
           <a:xfrm>
-            <a:off x="5501433" y="12549565"/>
+            <a:off x="5557744" y="14406481"/>
             <a:ext cx="1798894" cy="1659955"/>
           </a:xfrm>
           <a:prstGeom prst="rect">
@@ -7380,7 +7524,7 @@
         </p:blipFill>
         <p:spPr>
           <a:xfrm>
-            <a:off x="7390588" y="12549564"/>
+            <a:off x="7446899" y="14406480"/>
             <a:ext cx="1798894" cy="1659955"/>
           </a:xfrm>
           <a:prstGeom prst="rect">
@@ -7410,7 +7554,7 @@
         </p:blipFill>
         <p:spPr>
           <a:xfrm>
-            <a:off x="7404515" y="10867824"/>
+            <a:off x="7460826" y="12724740"/>
             <a:ext cx="1777857" cy="1640543"/>
           </a:xfrm>
           <a:prstGeom prst="rect">
@@ -7440,7 +7584,7 @@
         </p:blipFill>
         <p:spPr>
           <a:xfrm>
-            <a:off x="3647675" y="10867824"/>
+            <a:off x="3703986" y="12724740"/>
             <a:ext cx="1746646" cy="1611742"/>
           </a:xfrm>
           <a:prstGeom prst="rect">
@@ -7470,8 +7614,134 @@
         </p:blipFill>
         <p:spPr>
           <a:xfrm>
-            <a:off x="5486081" y="10867822"/>
+            <a:off x="5542392" y="12724738"/>
             <a:ext cx="1746647" cy="1611743"/>
+          </a:xfrm>
+          <a:prstGeom prst="rect">
+            <a:avLst/>
+          </a:prstGeom>
+        </p:spPr>
+      </p:pic>
+      <p:sp>
+        <p:nvSpPr>
+          <p:cNvPr id="2" name="テキスト ボックス 1">
+            <a:extLst>
+              <a:ext uri="{FF2B5EF4-FFF2-40B4-BE49-F238E27FC236}">
+                <a16:creationId xmlns:a16="http://schemas.microsoft.com/office/drawing/2014/main" id="{976BDBFA-72E3-DA82-2789-AA65A5F19994}"/>
+              </a:ext>
+            </a:extLst>
+          </p:cNvPr>
+          <p:cNvSpPr txBox="1"/>
+          <p:nvPr/>
+        </p:nvSpPr>
+        <p:spPr>
+          <a:xfrm>
+            <a:off x="1862469" y="13982538"/>
+            <a:ext cx="1441420" cy="707886"/>
+          </a:xfrm>
+          <a:prstGeom prst="rect">
+            <a:avLst/>
+          </a:prstGeom>
+          <a:noFill/>
+        </p:spPr>
+        <p:txBody>
+          <a:bodyPr wrap="none" rtlCol="0">
+            <a:spAutoFit/>
+          </a:bodyPr>
+          <a:lstStyle/>
+          <a:p>
+            <a:r>
+              <a:rPr kumimoji="1" lang="en-US" altLang="ja-JP" sz="4000" dirty="0"/>
+              <a:t>None</a:t>
+            </a:r>
+            <a:endParaRPr kumimoji="1" lang="ja-JP" altLang="en-US" sz="4000"/>
+          </a:p>
+        </p:txBody>
+      </p:sp>
+      <p:pic>
+        <p:nvPicPr>
+          <p:cNvPr id="3" name="図 2">
+            <a:extLst>
+              <a:ext uri="{FF2B5EF4-FFF2-40B4-BE49-F238E27FC236}">
+                <a16:creationId xmlns:a16="http://schemas.microsoft.com/office/drawing/2014/main" id="{D7A3650D-B662-F225-5CEE-E6435B08C2CB}"/>
+              </a:ext>
+            </a:extLst>
+          </p:cNvPr>
+          <p:cNvPicPr>
+            <a:picLocks noChangeAspect="1"/>
+          </p:cNvPicPr>
+          <p:nvPr/>
+        </p:nvPicPr>
+        <p:blipFill>
+          <a:blip r:embed="rId26"/>
+          <a:stretch>
+            <a:fillRect/>
+          </a:stretch>
+        </p:blipFill>
+        <p:spPr>
+          <a:xfrm>
+            <a:off x="3641764" y="4064670"/>
+            <a:ext cx="1760623" cy="1692907"/>
+          </a:xfrm>
+          <a:prstGeom prst="rect">
+            <a:avLst/>
+          </a:prstGeom>
+        </p:spPr>
+      </p:pic>
+      <p:pic>
+        <p:nvPicPr>
+          <p:cNvPr id="22" name="図 21">
+            <a:extLst>
+              <a:ext uri="{FF2B5EF4-FFF2-40B4-BE49-F238E27FC236}">
+                <a16:creationId xmlns:a16="http://schemas.microsoft.com/office/drawing/2014/main" id="{0DE78684-B6FD-0BCE-B824-A4DE2617C1FC}"/>
+              </a:ext>
+            </a:extLst>
+          </p:cNvPr>
+          <p:cNvPicPr>
+            <a:picLocks noChangeAspect="1"/>
+          </p:cNvPicPr>
+          <p:nvPr/>
+        </p:nvPicPr>
+        <p:blipFill>
+          <a:blip r:embed="rId27"/>
+          <a:stretch>
+            <a:fillRect/>
+          </a:stretch>
+        </p:blipFill>
+        <p:spPr>
+          <a:xfrm>
+            <a:off x="5535403" y="4050213"/>
+            <a:ext cx="1760623" cy="1692907"/>
+          </a:xfrm>
+          <a:prstGeom prst="rect">
+            <a:avLst/>
+          </a:prstGeom>
+        </p:spPr>
+      </p:pic>
+      <p:pic>
+        <p:nvPicPr>
+          <p:cNvPr id="35" name="図 34">
+            <a:extLst>
+              <a:ext uri="{FF2B5EF4-FFF2-40B4-BE49-F238E27FC236}">
+                <a16:creationId xmlns:a16="http://schemas.microsoft.com/office/drawing/2014/main" id="{8C97E59A-6AEC-E572-B5BD-74EC9863DD5F}"/>
+              </a:ext>
+            </a:extLst>
+          </p:cNvPr>
+          <p:cNvPicPr>
+            <a:picLocks noChangeAspect="1"/>
+          </p:cNvPicPr>
+          <p:nvPr/>
+        </p:nvPicPr>
+        <p:blipFill>
+          <a:blip r:embed="rId28"/>
+          <a:stretch>
+            <a:fillRect/>
+          </a:stretch>
+        </p:blipFill>
+        <p:spPr>
+          <a:xfrm>
+            <a:off x="7434652" y="4052706"/>
+            <a:ext cx="1707486" cy="1641813"/>
           </a:xfrm>
           <a:prstGeom prst="rect">
             <a:avLst/>
